--- a/trunk/Slide/Projeto de uma empresa de motoboy.pptx
+++ b/trunk/Slide/Projeto de uma empresa de motoboy.pptx
@@ -13,6 +13,15 @@
     <p:sldId id="264" r:id="rId7"/>
     <p:sldId id="265" r:id="rId8"/>
     <p:sldId id="266" r:id="rId9"/>
+    <p:sldId id="267" r:id="rId10"/>
+    <p:sldId id="268" r:id="rId11"/>
+    <p:sldId id="269" r:id="rId12"/>
+    <p:sldId id="270" r:id="rId13"/>
+    <p:sldId id="271" r:id="rId14"/>
+    <p:sldId id="272" r:id="rId15"/>
+    <p:sldId id="273" r:id="rId16"/>
+    <p:sldId id="274" r:id="rId17"/>
+    <p:sldId id="275" r:id="rId18"/>
   </p:sldIdLst>
   <p:sldSz cx="12192000" cy="6858000"/>
   <p:notesSz cx="6858000" cy="9144000"/>
@@ -3529,6 +3538,971 @@
 </p:sld>
 </file>
 
+<file path=ppt/slides/slide10.xml><?xml version="1.0" encoding="utf-8"?>
+<p:sld xmlns:a="http://schemas.openxmlformats.org/drawingml/2006/main" xmlns:r="http://schemas.openxmlformats.org/officeDocument/2006/relationships" xmlns:p="http://schemas.openxmlformats.org/presentationml/2006/main">
+  <p:cSld>
+    <p:spTree>
+      <p:nvGrpSpPr>
+        <p:cNvPr id="1" name=""/>
+        <p:cNvGrpSpPr/>
+        <p:nvPr/>
+      </p:nvGrpSpPr>
+      <p:grpSpPr>
+        <a:xfrm>
+          <a:off x="0" y="0"/>
+          <a:ext cx="0" cy="0"/>
+          <a:chOff x="0" y="0"/>
+          <a:chExt cx="0" cy="0"/>
+        </a:xfrm>
+      </p:grpSpPr>
+      <p:sp>
+        <p:nvSpPr>
+          <p:cNvPr id="3" name="Subtitle 2"/>
+          <p:cNvSpPr>
+            <a:spLocks noGrp="1"/>
+          </p:cNvSpPr>
+          <p:nvPr>
+            <p:ph type="subTitle" idx="1"/>
+          </p:nvPr>
+        </p:nvSpPr>
+        <p:spPr>
+          <a:xfrm>
+            <a:off x="168812" y="1267287"/>
+            <a:ext cx="11844798" cy="5372664"/>
+          </a:xfrm>
+        </p:spPr>
+        <p:txBody>
+          <a:bodyPr>
+            <a:normAutofit fontScale="92500" lnSpcReduction="20000"/>
+          </a:bodyPr>
+          <a:lstStyle/>
+          <a:p>
+            <a:r>
+              <a:rPr lang="pt-BR" b="1" dirty="0"/>
+              <a:t> </a:t>
+            </a:r>
+            <a:endParaRPr lang="pt-BR" dirty="0"/>
+          </a:p>
+          <a:p>
+            <a:r>
+              <a:rPr lang="pt-BR" sz="2400" b="1" dirty="0"/>
+              <a:t> Fluxos alternativos:</a:t>
+            </a:r>
+            <a:endParaRPr lang="pt-BR" sz="2400" dirty="0"/>
+          </a:p>
+          <a:p>
+            <a:r>
+              <a:rPr lang="pt-BR" sz="2400" dirty="0"/>
+              <a:t>	4a. O sistema verifica que não existe serviços no estado “Em aberto”.</a:t>
+            </a:r>
+          </a:p>
+          <a:p>
+            <a:r>
+              <a:rPr lang="pt-BR" sz="2400" dirty="0" smtClean="0"/>
+              <a:t>                         1. O sistema informa que a não existe ordens de serviços em aberto naquele momento  </a:t>
+            </a:r>
+          </a:p>
+          <a:p>
+            <a:r>
+              <a:rPr lang="pt-BR" sz="2400" dirty="0" smtClean="0"/>
+              <a:t>                              para aquela região no momento. </a:t>
+            </a:r>
+          </a:p>
+          <a:p>
+            <a:r>
+              <a:rPr lang="pt-BR" sz="2400" dirty="0" smtClean="0"/>
+              <a:t>                         2. O atendente seleciona a opção "Retornar a página principal".</a:t>
+            </a:r>
+          </a:p>
+          <a:p>
+            <a:r>
+              <a:rPr lang="pt-BR" sz="2400" dirty="0" smtClean="0"/>
+              <a:t>                         3. O sistema redireciona o atendente para a página principal.</a:t>
+            </a:r>
+          </a:p>
+          <a:p>
+            <a:r>
+              <a:rPr lang="pt-BR" sz="2400" dirty="0"/>
+              <a:t>	7a. O sistema verifica que não existe motoboy no estado “Disponível”.</a:t>
+            </a:r>
+          </a:p>
+          <a:p>
+            <a:pPr lvl="0"/>
+            <a:r>
+              <a:rPr lang="pt-BR" sz="2400" dirty="0" smtClean="0"/>
+              <a:t>                         1. O </a:t>
+            </a:r>
+            <a:r>
+              <a:rPr lang="pt-BR" sz="2400" dirty="0"/>
+              <a:t>sistema informa que a não existe motoboy disponível naquele momento na empresa.</a:t>
+            </a:r>
+          </a:p>
+          <a:p>
+            <a:pPr lvl="0"/>
+            <a:r>
+              <a:rPr lang="pt-BR" sz="2400" dirty="0" smtClean="0"/>
+              <a:t>                         2. O </a:t>
+            </a:r>
+            <a:r>
+              <a:rPr lang="pt-BR" sz="2400" dirty="0"/>
+              <a:t>atendente seleciona a opção "Retornar a página principal".</a:t>
+            </a:r>
+          </a:p>
+          <a:p>
+            <a:pPr lvl="0"/>
+            <a:r>
+              <a:rPr lang="pt-BR" sz="2400" dirty="0" smtClean="0"/>
+              <a:t>                         3. O </a:t>
+            </a:r>
+            <a:r>
+              <a:rPr lang="pt-BR" sz="2400" dirty="0"/>
+              <a:t>sistema redireciona o atendente para a página principal.</a:t>
+            </a:r>
+          </a:p>
+          <a:p>
+            <a:r>
+              <a:rPr lang="pt-BR" sz="2400" dirty="0"/>
+              <a:t>            	Em qualquer passo dos fluxos, caso o atendente desista de gerar a saída. </a:t>
+            </a:r>
+          </a:p>
+          <a:p>
+            <a:pPr lvl="0"/>
+            <a:r>
+              <a:rPr lang="pt-BR" sz="2400" dirty="0" smtClean="0"/>
+              <a:t>                         1. O </a:t>
+            </a:r>
+            <a:r>
+              <a:rPr lang="pt-BR" sz="2400" dirty="0"/>
+              <a:t>atendente seleciona a opção “Cancelar”.</a:t>
+            </a:r>
+          </a:p>
+          <a:p>
+            <a:pPr lvl="0"/>
+            <a:r>
+              <a:rPr lang="pt-BR" sz="2400" dirty="0" smtClean="0"/>
+              <a:t>                         2. O </a:t>
+            </a:r>
+            <a:r>
+              <a:rPr lang="pt-BR" sz="2400" dirty="0"/>
+              <a:t>sistema cancela a inserção no banco de dados e nenhum dado é salvo no sistema.</a:t>
+            </a:r>
+          </a:p>
+        </p:txBody>
+      </p:sp>
+      <p:sp>
+        <p:nvSpPr>
+          <p:cNvPr id="6" name="Rectangle 5"/>
+          <p:cNvSpPr/>
+          <p:nvPr/>
+        </p:nvSpPr>
+        <p:spPr>
+          <a:xfrm>
+            <a:off x="0" y="-179263"/>
+            <a:ext cx="7959615" cy="1446550"/>
+          </a:xfrm>
+          <a:prstGeom prst="rect">
+            <a:avLst/>
+          </a:prstGeom>
+        </p:spPr>
+        <p:txBody>
+          <a:bodyPr wrap="none">
+            <a:spAutoFit/>
+          </a:bodyPr>
+          <a:lstStyle/>
+          <a:p>
+            <a:r>
+              <a:rPr lang="pt-BR" sz="8800" dirty="0" smtClean="0"/>
+              <a:t>CDU: Gerar Saída</a:t>
+            </a:r>
+            <a:endParaRPr lang="pt-BR" sz="8800" dirty="0"/>
+          </a:p>
+        </p:txBody>
+      </p:sp>
+    </p:spTree>
+    <p:extLst>
+      <p:ext uri="{BB962C8B-B14F-4D97-AF65-F5344CB8AC3E}">
+        <p14:creationId xmlns:p14="http://schemas.microsoft.com/office/powerpoint/2010/main" val="3557137701"/>
+      </p:ext>
+    </p:extLst>
+  </p:cSld>
+  <p:clrMapOvr>
+    <a:masterClrMapping/>
+  </p:clrMapOvr>
+  <p:timing>
+    <p:tnLst>
+      <p:par>
+        <p:cTn id="1" dur="indefinite" restart="never" nodeType="tmRoot"/>
+      </p:par>
+    </p:tnLst>
+  </p:timing>
+</p:sld>
+</file>
+
+<file path=ppt/slides/slide11.xml><?xml version="1.0" encoding="utf-8"?>
+<p:sld xmlns:a="http://schemas.openxmlformats.org/drawingml/2006/main" xmlns:r="http://schemas.openxmlformats.org/officeDocument/2006/relationships" xmlns:p="http://schemas.openxmlformats.org/presentationml/2006/main">
+  <p:cSld>
+    <p:spTree>
+      <p:nvGrpSpPr>
+        <p:cNvPr id="1" name=""/>
+        <p:cNvGrpSpPr/>
+        <p:nvPr/>
+      </p:nvGrpSpPr>
+      <p:grpSpPr>
+        <a:xfrm>
+          <a:off x="0" y="0"/>
+          <a:ext cx="0" cy="0"/>
+          <a:chOff x="0" y="0"/>
+          <a:chExt cx="0" cy="0"/>
+        </a:xfrm>
+      </p:grpSpPr>
+      <p:sp>
+        <p:nvSpPr>
+          <p:cNvPr id="3" name="Subtitle 2"/>
+          <p:cNvSpPr>
+            <a:spLocks noGrp="1"/>
+          </p:cNvSpPr>
+          <p:nvPr>
+            <p:ph type="subTitle" idx="1"/>
+          </p:nvPr>
+        </p:nvSpPr>
+        <p:spPr>
+          <a:xfrm>
+            <a:off x="168812" y="1267287"/>
+            <a:ext cx="11844798" cy="5372664"/>
+          </a:xfrm>
+        </p:spPr>
+        <p:txBody>
+          <a:bodyPr>
+            <a:normAutofit/>
+          </a:bodyPr>
+          <a:lstStyle/>
+          <a:p>
+            <a:r>
+              <a:rPr lang="pt-BR" b="1" dirty="0"/>
+              <a:t> </a:t>
+            </a:r>
+            <a:endParaRPr lang="pt-BR" dirty="0"/>
+          </a:p>
+          <a:p>
+            <a:r>
+              <a:rPr lang="pt-BR" sz="2400" b="1" dirty="0"/>
+              <a:t> Requisitos especiais:</a:t>
+            </a:r>
+            <a:endParaRPr lang="pt-BR" sz="2400" dirty="0"/>
+          </a:p>
+          <a:p>
+            <a:r>
+              <a:rPr lang="pt-BR" sz="2400" dirty="0"/>
+              <a:t>	</a:t>
+            </a:r>
+            <a:r>
+              <a:rPr lang="pt-BR" sz="2400" dirty="0" smtClean="0"/>
+              <a:t>- O </a:t>
+            </a:r>
+            <a:r>
+              <a:rPr lang="pt-BR" sz="2400" dirty="0"/>
+              <a:t>texto deve ser visível a uma distância de um metro.</a:t>
+            </a:r>
+          </a:p>
+          <a:p>
+            <a:pPr lvl="0"/>
+            <a:r>
+              <a:rPr lang="pt-BR" sz="2400" dirty="0" smtClean="0"/>
+              <a:t>             - O </a:t>
+            </a:r>
+            <a:r>
+              <a:rPr lang="pt-BR" sz="2400" dirty="0"/>
+              <a:t>sistema deverá ser desenvolvido na linguagem Matlab.</a:t>
+            </a:r>
+          </a:p>
+          <a:p>
+            <a:pPr lvl="0"/>
+            <a:r>
+              <a:rPr lang="pt-BR" sz="2400" dirty="0" smtClean="0"/>
+              <a:t>             - A </a:t>
+            </a:r>
+            <a:r>
+              <a:rPr lang="pt-BR" sz="2400" dirty="0"/>
+              <a:t>resposta da pesquisa realizada pelo sistema deverá demorar em média 10 </a:t>
+            </a:r>
+            <a:r>
+              <a:rPr lang="pt-BR" sz="2400" dirty="0" smtClean="0"/>
+              <a:t>segundos</a:t>
+            </a:r>
+          </a:p>
+          <a:p>
+            <a:pPr lvl="0"/>
+            <a:r>
+              <a:rPr lang="pt-BR" sz="2400" dirty="0" smtClean="0"/>
+              <a:t>              em </a:t>
+            </a:r>
+            <a:r>
+              <a:rPr lang="pt-BR" sz="2400" dirty="0"/>
+              <a:t>90% dos casos.</a:t>
+            </a:r>
+          </a:p>
+          <a:p>
+            <a:pPr lvl="0"/>
+            <a:r>
+              <a:rPr lang="pt-BR" sz="2400" dirty="0" smtClean="0"/>
+              <a:t>             - O </a:t>
+            </a:r>
+            <a:r>
+              <a:rPr lang="pt-BR" sz="2400" dirty="0"/>
+              <a:t>banco de dados utilizado deverá ser o MySQL.</a:t>
+            </a:r>
+          </a:p>
+          <a:p>
+            <a:r>
+              <a:rPr lang="pt-BR" sz="2400" b="1" dirty="0"/>
+              <a:t>Frequência de ocorrência: </a:t>
+            </a:r>
+            <a:r>
+              <a:rPr lang="pt-BR" sz="2400" dirty="0"/>
+              <a:t>algumas vezes ao dia. </a:t>
+            </a:r>
+          </a:p>
+          <a:p>
+            <a:r>
+              <a:rPr lang="pt-BR" sz="2400" b="1" dirty="0"/>
+              <a:t>Problemas em aberto:</a:t>
+            </a:r>
+            <a:r>
+              <a:rPr lang="pt-BR" sz="2400" dirty="0"/>
+              <a:t> nenhum.</a:t>
+            </a:r>
+          </a:p>
+        </p:txBody>
+      </p:sp>
+      <p:sp>
+        <p:nvSpPr>
+          <p:cNvPr id="6" name="Rectangle 5"/>
+          <p:cNvSpPr/>
+          <p:nvPr/>
+        </p:nvSpPr>
+        <p:spPr>
+          <a:xfrm>
+            <a:off x="0" y="-179263"/>
+            <a:ext cx="7959615" cy="1446550"/>
+          </a:xfrm>
+          <a:prstGeom prst="rect">
+            <a:avLst/>
+          </a:prstGeom>
+        </p:spPr>
+        <p:txBody>
+          <a:bodyPr wrap="none">
+            <a:spAutoFit/>
+          </a:bodyPr>
+          <a:lstStyle/>
+          <a:p>
+            <a:r>
+              <a:rPr lang="pt-BR" sz="8800" dirty="0" smtClean="0"/>
+              <a:t>CDU: Gerar Saída</a:t>
+            </a:r>
+            <a:endParaRPr lang="pt-BR" sz="8800" dirty="0"/>
+          </a:p>
+        </p:txBody>
+      </p:sp>
+    </p:spTree>
+    <p:extLst>
+      <p:ext uri="{BB962C8B-B14F-4D97-AF65-F5344CB8AC3E}">
+        <p14:creationId xmlns:p14="http://schemas.microsoft.com/office/powerpoint/2010/main" val="824946943"/>
+      </p:ext>
+    </p:extLst>
+  </p:cSld>
+  <p:clrMapOvr>
+    <a:masterClrMapping/>
+  </p:clrMapOvr>
+  <p:timing>
+    <p:tnLst>
+      <p:par>
+        <p:cTn id="1" dur="indefinite" restart="never" nodeType="tmRoot"/>
+      </p:par>
+    </p:tnLst>
+  </p:timing>
+</p:sld>
+</file>
+
+<file path=ppt/slides/slide12.xml><?xml version="1.0" encoding="utf-8"?>
+<p:sld xmlns:a="http://schemas.openxmlformats.org/drawingml/2006/main" xmlns:r="http://schemas.openxmlformats.org/officeDocument/2006/relationships" xmlns:p="http://schemas.openxmlformats.org/presentationml/2006/main">
+  <p:cSld>
+    <p:spTree>
+      <p:nvGrpSpPr>
+        <p:cNvPr id="1" name=""/>
+        <p:cNvGrpSpPr/>
+        <p:nvPr/>
+      </p:nvGrpSpPr>
+      <p:grpSpPr>
+        <a:xfrm>
+          <a:off x="0" y="0"/>
+          <a:ext cx="0" cy="0"/>
+          <a:chOff x="0" y="0"/>
+          <a:chExt cx="0" cy="0"/>
+        </a:xfrm>
+      </p:grpSpPr>
+      <p:sp>
+        <p:nvSpPr>
+          <p:cNvPr id="2" name="Title 1"/>
+          <p:cNvSpPr>
+            <a:spLocks noGrp="1"/>
+          </p:cNvSpPr>
+          <p:nvPr>
+            <p:ph type="ctrTitle"/>
+          </p:nvPr>
+        </p:nvSpPr>
+        <p:spPr>
+          <a:xfrm>
+            <a:off x="603504" y="661770"/>
+            <a:ext cx="11588496" cy="3352800"/>
+          </a:xfrm>
+        </p:spPr>
+        <p:txBody>
+          <a:bodyPr/>
+          <a:lstStyle/>
+          <a:p>
+            <a:r>
+              <a:rPr lang="pt-BR" dirty="0" smtClean="0"/>
+              <a:t>Diagrama de classes de projeto</a:t>
+            </a:r>
+            <a:endParaRPr lang="pt-BR" dirty="0"/>
+          </a:p>
+        </p:txBody>
+      </p:sp>
+      <p:sp>
+        <p:nvSpPr>
+          <p:cNvPr id="3" name="Subtitle 2"/>
+          <p:cNvSpPr>
+            <a:spLocks noGrp="1"/>
+          </p:cNvSpPr>
+          <p:nvPr>
+            <p:ph type="subTitle" idx="1"/>
+          </p:nvPr>
+        </p:nvSpPr>
+        <p:spPr>
+          <a:xfrm>
+            <a:off x="603504" y="4192890"/>
+            <a:ext cx="9228201" cy="1645920"/>
+          </a:xfrm>
+        </p:spPr>
+        <p:txBody>
+          <a:bodyPr>
+            <a:normAutofit/>
+          </a:bodyPr>
+          <a:lstStyle/>
+          <a:p>
+            <a:endParaRPr lang="pt-BR" dirty="0"/>
+          </a:p>
+        </p:txBody>
+      </p:sp>
+    </p:spTree>
+    <p:extLst>
+      <p:ext uri="{BB962C8B-B14F-4D97-AF65-F5344CB8AC3E}">
+        <p14:creationId xmlns:p14="http://schemas.microsoft.com/office/powerpoint/2010/main" val="2973953111"/>
+      </p:ext>
+    </p:extLst>
+  </p:cSld>
+  <p:clrMapOvr>
+    <a:masterClrMapping/>
+  </p:clrMapOvr>
+  <p:timing>
+    <p:tnLst>
+      <p:par>
+        <p:cTn id="1" dur="indefinite" restart="never" nodeType="tmRoot"/>
+      </p:par>
+    </p:tnLst>
+  </p:timing>
+</p:sld>
+</file>
+
+<file path=ppt/slides/slide13.xml><?xml version="1.0" encoding="utf-8"?>
+<p:sld xmlns:a="http://schemas.openxmlformats.org/drawingml/2006/main" xmlns:r="http://schemas.openxmlformats.org/officeDocument/2006/relationships" xmlns:p="http://schemas.openxmlformats.org/presentationml/2006/main">
+  <p:cSld>
+    <p:spTree>
+      <p:nvGrpSpPr>
+        <p:cNvPr id="1" name=""/>
+        <p:cNvGrpSpPr/>
+        <p:nvPr/>
+      </p:nvGrpSpPr>
+      <p:grpSpPr>
+        <a:xfrm>
+          <a:off x="0" y="0"/>
+          <a:ext cx="0" cy="0"/>
+          <a:chOff x="0" y="0"/>
+          <a:chExt cx="0" cy="0"/>
+        </a:xfrm>
+      </p:grpSpPr>
+      <p:pic>
+        <p:nvPicPr>
+          <p:cNvPr id="4" name="Picture 3"/>
+          <p:cNvPicPr>
+            <a:picLocks noChangeAspect="1"/>
+          </p:cNvPicPr>
+          <p:nvPr/>
+        </p:nvPicPr>
+        <p:blipFill>
+          <a:blip r:embed="rId2">
+            <a:extLst>
+              <a:ext uri="{28A0092B-C50C-407E-A947-70E740481C1C}">
+                <a14:useLocalDpi xmlns:a14="http://schemas.microsoft.com/office/drawing/2010/main" val="0"/>
+              </a:ext>
+            </a:extLst>
+          </a:blip>
+          <a:stretch>
+            <a:fillRect/>
+          </a:stretch>
+        </p:blipFill>
+        <p:spPr>
+          <a:xfrm>
+            <a:off x="852020" y="0"/>
+            <a:ext cx="11180338" cy="7751298"/>
+          </a:xfrm>
+          <a:prstGeom prst="rect">
+            <a:avLst/>
+          </a:prstGeom>
+        </p:spPr>
+      </p:pic>
+    </p:spTree>
+    <p:extLst>
+      <p:ext uri="{BB962C8B-B14F-4D97-AF65-F5344CB8AC3E}">
+        <p14:creationId xmlns:p14="http://schemas.microsoft.com/office/powerpoint/2010/main" val="2431746511"/>
+      </p:ext>
+    </p:extLst>
+  </p:cSld>
+  <p:clrMapOvr>
+    <a:masterClrMapping/>
+  </p:clrMapOvr>
+  <p:timing>
+    <p:tnLst>
+      <p:par>
+        <p:cTn id="1" dur="indefinite" restart="never" nodeType="tmRoot"/>
+      </p:par>
+    </p:tnLst>
+  </p:timing>
+</p:sld>
+</file>
+
+<file path=ppt/slides/slide14.xml><?xml version="1.0" encoding="utf-8"?>
+<p:sld xmlns:a="http://schemas.openxmlformats.org/drawingml/2006/main" xmlns:r="http://schemas.openxmlformats.org/officeDocument/2006/relationships" xmlns:p="http://schemas.openxmlformats.org/presentationml/2006/main">
+  <p:cSld>
+    <p:spTree>
+      <p:nvGrpSpPr>
+        <p:cNvPr id="1" name=""/>
+        <p:cNvGrpSpPr/>
+        <p:nvPr/>
+      </p:nvGrpSpPr>
+      <p:grpSpPr>
+        <a:xfrm>
+          <a:off x="0" y="0"/>
+          <a:ext cx="0" cy="0"/>
+          <a:chOff x="0" y="0"/>
+          <a:chExt cx="0" cy="0"/>
+        </a:xfrm>
+      </p:grpSpPr>
+      <p:sp>
+        <p:nvSpPr>
+          <p:cNvPr id="2" name="Title 1"/>
+          <p:cNvSpPr>
+            <a:spLocks noGrp="1"/>
+          </p:cNvSpPr>
+          <p:nvPr>
+            <p:ph type="ctrTitle"/>
+          </p:nvPr>
+        </p:nvSpPr>
+        <p:spPr>
+          <a:xfrm>
+            <a:off x="603504" y="661770"/>
+            <a:ext cx="11588496" cy="3352800"/>
+          </a:xfrm>
+        </p:spPr>
+        <p:txBody>
+          <a:bodyPr/>
+          <a:lstStyle/>
+          <a:p>
+            <a:r>
+              <a:rPr lang="pt-BR" dirty="0" smtClean="0"/>
+              <a:t>Diagrama de comunicação</a:t>
+            </a:r>
+            <a:endParaRPr lang="pt-BR" dirty="0"/>
+          </a:p>
+        </p:txBody>
+      </p:sp>
+      <p:sp>
+        <p:nvSpPr>
+          <p:cNvPr id="3" name="Subtitle 2"/>
+          <p:cNvSpPr>
+            <a:spLocks noGrp="1"/>
+          </p:cNvSpPr>
+          <p:nvPr>
+            <p:ph type="subTitle" idx="1"/>
+          </p:nvPr>
+        </p:nvSpPr>
+        <p:spPr>
+          <a:xfrm>
+            <a:off x="603504" y="4192890"/>
+            <a:ext cx="9228201" cy="1645920"/>
+          </a:xfrm>
+        </p:spPr>
+        <p:txBody>
+          <a:bodyPr>
+            <a:normAutofit lnSpcReduction="10000"/>
+          </a:bodyPr>
+          <a:lstStyle/>
+          <a:p>
+            <a:pPr marL="457200" indent="-457200">
+              <a:buFont typeface="Arial" panose="020B0604020202020204" pitchFamily="34" charset="0"/>
+              <a:buChar char="•"/>
+            </a:pPr>
+            <a:r>
+              <a:rPr lang="pt-BR" dirty="0" smtClean="0"/>
+              <a:t>Gerar Saída</a:t>
+            </a:r>
+          </a:p>
+          <a:p>
+            <a:pPr marL="457200" indent="-457200">
+              <a:buFont typeface="Arial" panose="020B0604020202020204" pitchFamily="34" charset="0"/>
+              <a:buChar char="•"/>
+            </a:pPr>
+            <a:r>
+              <a:rPr lang="pt-BR" dirty="0" smtClean="0"/>
+              <a:t>Selecionar ordem de serviço por região</a:t>
+            </a:r>
+          </a:p>
+          <a:p>
+            <a:pPr marL="457200" indent="-457200">
+              <a:buFont typeface="Arial" panose="020B0604020202020204" pitchFamily="34" charset="0"/>
+              <a:buChar char="•"/>
+            </a:pPr>
+            <a:r>
+              <a:rPr lang="pt-BR" dirty="0" smtClean="0"/>
+              <a:t>Visualizar disponibilidade do motoboy</a:t>
+            </a:r>
+            <a:endParaRPr lang="pt-BR" dirty="0"/>
+          </a:p>
+        </p:txBody>
+      </p:sp>
+    </p:spTree>
+    <p:extLst>
+      <p:ext uri="{BB962C8B-B14F-4D97-AF65-F5344CB8AC3E}">
+        <p14:creationId xmlns:p14="http://schemas.microsoft.com/office/powerpoint/2010/main" val="3343411466"/>
+      </p:ext>
+    </p:extLst>
+  </p:cSld>
+  <p:clrMapOvr>
+    <a:masterClrMapping/>
+  </p:clrMapOvr>
+  <p:timing>
+    <p:tnLst>
+      <p:par>
+        <p:cTn id="1" dur="indefinite" restart="never" nodeType="tmRoot"/>
+      </p:par>
+    </p:tnLst>
+  </p:timing>
+</p:sld>
+</file>
+
+<file path=ppt/slides/slide15.xml><?xml version="1.0" encoding="utf-8"?>
+<p:sld xmlns:a="http://schemas.openxmlformats.org/drawingml/2006/main" xmlns:r="http://schemas.openxmlformats.org/officeDocument/2006/relationships" xmlns:p="http://schemas.openxmlformats.org/presentationml/2006/main">
+  <p:cSld>
+    <p:spTree>
+      <p:nvGrpSpPr>
+        <p:cNvPr id="1" name=""/>
+        <p:cNvGrpSpPr/>
+        <p:nvPr/>
+      </p:nvGrpSpPr>
+      <p:grpSpPr>
+        <a:xfrm>
+          <a:off x="0" y="0"/>
+          <a:ext cx="0" cy="0"/>
+          <a:chOff x="0" y="0"/>
+          <a:chExt cx="0" cy="0"/>
+        </a:xfrm>
+      </p:grpSpPr>
+      <p:pic>
+        <p:nvPicPr>
+          <p:cNvPr id="2" name="Picture 1"/>
+          <p:cNvPicPr>
+            <a:picLocks noChangeAspect="1"/>
+          </p:cNvPicPr>
+          <p:nvPr/>
+        </p:nvPicPr>
+        <p:blipFill>
+          <a:blip r:embed="rId2">
+            <a:extLst>
+              <a:ext uri="{28A0092B-C50C-407E-A947-70E740481C1C}">
+                <a14:useLocalDpi xmlns:a14="http://schemas.microsoft.com/office/drawing/2010/main" val="0"/>
+              </a:ext>
+            </a:extLst>
+          </a:blip>
+          <a:stretch>
+            <a:fillRect/>
+          </a:stretch>
+        </p:blipFill>
+        <p:spPr>
+          <a:xfrm>
+            <a:off x="-1284848" y="1842867"/>
+            <a:ext cx="14870463" cy="6485206"/>
+          </a:xfrm>
+          <a:prstGeom prst="rect">
+            <a:avLst/>
+          </a:prstGeom>
+        </p:spPr>
+      </p:pic>
+      <p:sp>
+        <p:nvSpPr>
+          <p:cNvPr id="5" name="Rectangle 4"/>
+          <p:cNvSpPr/>
+          <p:nvPr/>
+        </p:nvSpPr>
+        <p:spPr>
+          <a:xfrm>
+            <a:off x="4192172" y="1086829"/>
+            <a:ext cx="3383555" cy="923330"/>
+          </a:xfrm>
+          <a:prstGeom prst="rect">
+            <a:avLst/>
+          </a:prstGeom>
+        </p:spPr>
+        <p:txBody>
+          <a:bodyPr wrap="none">
+            <a:spAutoFit/>
+          </a:bodyPr>
+          <a:lstStyle/>
+          <a:p>
+            <a:r>
+              <a:rPr lang="pt-BR" sz="5400" dirty="0" smtClean="0"/>
+              <a:t>Gerar Saída</a:t>
+            </a:r>
+            <a:endParaRPr lang="pt-BR" sz="5400" dirty="0"/>
+          </a:p>
+        </p:txBody>
+      </p:sp>
+    </p:spTree>
+    <p:extLst>
+      <p:ext uri="{BB962C8B-B14F-4D97-AF65-F5344CB8AC3E}">
+        <p14:creationId xmlns:p14="http://schemas.microsoft.com/office/powerpoint/2010/main" val="264115481"/>
+      </p:ext>
+    </p:extLst>
+  </p:cSld>
+  <p:clrMapOvr>
+    <a:masterClrMapping/>
+  </p:clrMapOvr>
+  <p:timing>
+    <p:tnLst>
+      <p:par>
+        <p:cTn id="1" dur="indefinite" restart="never" nodeType="tmRoot"/>
+      </p:par>
+    </p:tnLst>
+  </p:timing>
+</p:sld>
+</file>
+
+<file path=ppt/slides/slide16.xml><?xml version="1.0" encoding="utf-8"?>
+<p:sld xmlns:a="http://schemas.openxmlformats.org/drawingml/2006/main" xmlns:r="http://schemas.openxmlformats.org/officeDocument/2006/relationships" xmlns:p="http://schemas.openxmlformats.org/presentationml/2006/main">
+  <p:cSld>
+    <p:spTree>
+      <p:nvGrpSpPr>
+        <p:cNvPr id="1" name=""/>
+        <p:cNvGrpSpPr/>
+        <p:nvPr/>
+      </p:nvGrpSpPr>
+      <p:grpSpPr>
+        <a:xfrm>
+          <a:off x="0" y="0"/>
+          <a:ext cx="0" cy="0"/>
+          <a:chOff x="0" y="0"/>
+          <a:chExt cx="0" cy="0"/>
+        </a:xfrm>
+      </p:grpSpPr>
+      <p:sp>
+        <p:nvSpPr>
+          <p:cNvPr id="5" name="Rectangle 4"/>
+          <p:cNvSpPr/>
+          <p:nvPr/>
+        </p:nvSpPr>
+        <p:spPr>
+          <a:xfrm>
+            <a:off x="576776" y="1255642"/>
+            <a:ext cx="11199476" cy="923330"/>
+          </a:xfrm>
+          <a:prstGeom prst="rect">
+            <a:avLst/>
+          </a:prstGeom>
+        </p:spPr>
+        <p:txBody>
+          <a:bodyPr wrap="none">
+            <a:spAutoFit/>
+          </a:bodyPr>
+          <a:lstStyle/>
+          <a:p>
+            <a:r>
+              <a:rPr lang="pt-BR" sz="5400" dirty="0"/>
+              <a:t>Selecionar ordem de </a:t>
+            </a:r>
+            <a:r>
+              <a:rPr lang="pt-BR" sz="5400" dirty="0" smtClean="0"/>
+              <a:t>serviço </a:t>
+            </a:r>
+            <a:r>
+              <a:rPr lang="pt-BR" sz="5400" dirty="0"/>
+              <a:t>por região</a:t>
+            </a:r>
+          </a:p>
+        </p:txBody>
+      </p:sp>
+      <p:pic>
+        <p:nvPicPr>
+          <p:cNvPr id="3" name="Picture 2"/>
+          <p:cNvPicPr>
+            <a:picLocks noChangeAspect="1"/>
+          </p:cNvPicPr>
+          <p:nvPr/>
+        </p:nvPicPr>
+        <p:blipFill>
+          <a:blip r:embed="rId2">
+            <a:extLst>
+              <a:ext uri="{28A0092B-C50C-407E-A947-70E740481C1C}">
+                <a14:useLocalDpi xmlns:a14="http://schemas.microsoft.com/office/drawing/2010/main" val="0"/>
+              </a:ext>
+            </a:extLst>
+          </a:blip>
+          <a:stretch>
+            <a:fillRect/>
+          </a:stretch>
+        </p:blipFill>
+        <p:spPr>
+          <a:xfrm>
+            <a:off x="-1097281" y="2895176"/>
+            <a:ext cx="14817920" cy="6431704"/>
+          </a:xfrm>
+          <a:prstGeom prst="rect">
+            <a:avLst/>
+          </a:prstGeom>
+        </p:spPr>
+      </p:pic>
+    </p:spTree>
+    <p:extLst>
+      <p:ext uri="{BB962C8B-B14F-4D97-AF65-F5344CB8AC3E}">
+        <p14:creationId xmlns:p14="http://schemas.microsoft.com/office/powerpoint/2010/main" val="4141063030"/>
+      </p:ext>
+    </p:extLst>
+  </p:cSld>
+  <p:clrMapOvr>
+    <a:masterClrMapping/>
+  </p:clrMapOvr>
+  <p:timing>
+    <p:tnLst>
+      <p:par>
+        <p:cTn id="1" dur="indefinite" restart="never" nodeType="tmRoot"/>
+      </p:par>
+    </p:tnLst>
+  </p:timing>
+</p:sld>
+</file>
+
+<file path=ppt/slides/slide17.xml><?xml version="1.0" encoding="utf-8"?>
+<p:sld xmlns:a="http://schemas.openxmlformats.org/drawingml/2006/main" xmlns:r="http://schemas.openxmlformats.org/officeDocument/2006/relationships" xmlns:p="http://schemas.openxmlformats.org/presentationml/2006/main">
+  <p:cSld>
+    <p:spTree>
+      <p:nvGrpSpPr>
+        <p:cNvPr id="1" name=""/>
+        <p:cNvGrpSpPr/>
+        <p:nvPr/>
+      </p:nvGrpSpPr>
+      <p:grpSpPr>
+        <a:xfrm>
+          <a:off x="0" y="0"/>
+          <a:ext cx="0" cy="0"/>
+          <a:chOff x="0" y="0"/>
+          <a:chExt cx="0" cy="0"/>
+        </a:xfrm>
+      </p:grpSpPr>
+      <p:sp>
+        <p:nvSpPr>
+          <p:cNvPr id="5" name="Rectangle 4"/>
+          <p:cNvSpPr/>
+          <p:nvPr/>
+        </p:nvSpPr>
+        <p:spPr>
+          <a:xfrm>
+            <a:off x="844062" y="979427"/>
+            <a:ext cx="10713574" cy="923330"/>
+          </a:xfrm>
+          <a:prstGeom prst="rect">
+            <a:avLst/>
+          </a:prstGeom>
+        </p:spPr>
+        <p:txBody>
+          <a:bodyPr wrap="none">
+            <a:spAutoFit/>
+          </a:bodyPr>
+          <a:lstStyle/>
+          <a:p>
+            <a:r>
+              <a:rPr lang="pt-BR" sz="5400" dirty="0"/>
+              <a:t>Visualizar </a:t>
+            </a:r>
+            <a:r>
+              <a:rPr lang="pt-BR" sz="5400" dirty="0" smtClean="0"/>
+              <a:t>disponibilidade do </a:t>
+            </a:r>
+            <a:r>
+              <a:rPr lang="pt-BR" sz="5400" dirty="0"/>
+              <a:t>motoboy</a:t>
+            </a:r>
+            <a:endParaRPr lang="pt-BR" sz="5400" dirty="0"/>
+          </a:p>
+        </p:txBody>
+      </p:sp>
+      <p:pic>
+        <p:nvPicPr>
+          <p:cNvPr id="2" name="Picture 1"/>
+          <p:cNvPicPr>
+            <a:picLocks noChangeAspect="1"/>
+          </p:cNvPicPr>
+          <p:nvPr/>
+        </p:nvPicPr>
+        <p:blipFill>
+          <a:blip r:embed="rId2">
+            <a:extLst>
+              <a:ext uri="{28A0092B-C50C-407E-A947-70E740481C1C}">
+                <a14:useLocalDpi xmlns:a14="http://schemas.microsoft.com/office/drawing/2010/main" val="0"/>
+              </a:ext>
+            </a:extLst>
+          </a:blip>
+          <a:stretch>
+            <a:fillRect/>
+          </a:stretch>
+        </p:blipFill>
+        <p:spPr>
+          <a:xfrm>
+            <a:off x="1530815" y="2099705"/>
+            <a:ext cx="8105555" cy="7805350"/>
+          </a:xfrm>
+          <a:prstGeom prst="rect">
+            <a:avLst/>
+          </a:prstGeom>
+        </p:spPr>
+      </p:pic>
+    </p:spTree>
+    <p:extLst>
+      <p:ext uri="{BB962C8B-B14F-4D97-AF65-F5344CB8AC3E}">
+        <p14:creationId xmlns:p14="http://schemas.microsoft.com/office/powerpoint/2010/main" val="4283518697"/>
+      </p:ext>
+    </p:extLst>
+  </p:cSld>
+  <p:clrMapOvr>
+    <a:masterClrMapping/>
+  </p:clrMapOvr>
+  <p:timing>
+    <p:tnLst>
+      <p:par>
+        <p:cTn id="1" dur="indefinite" restart="never" nodeType="tmRoot"/>
+      </p:par>
+    </p:tnLst>
+  </p:timing>
+</p:sld>
+</file>
+
 <file path=ppt/slides/slide2.xml><?xml version="1.0" encoding="utf-8"?>
 <p:sld xmlns:a="http://schemas.openxmlformats.org/drawingml/2006/main" xmlns:r="http://schemas.openxmlformats.org/officeDocument/2006/relationships" xmlns:p="http://schemas.openxmlformats.org/presentationml/2006/main">
   <p:cSld>
@@ -3961,7 +4935,7 @@
         </p:blipFill>
         <p:spPr>
           <a:xfrm>
-            <a:off x="0" y="2516203"/>
+            <a:off x="0" y="1939427"/>
             <a:ext cx="12192000" cy="3942050"/>
           </a:xfrm>
           <a:prstGeom prst="rect">
@@ -4238,49 +5212,93 @@
       </p:grpSpPr>
       <p:sp>
         <p:nvSpPr>
-          <p:cNvPr id="2" name="Title 1"/>
-          <p:cNvSpPr>
-            <a:spLocks noGrp="1"/>
-          </p:cNvSpPr>
-          <p:nvPr>
-            <p:ph type="ctrTitle"/>
-          </p:nvPr>
-        </p:nvSpPr>
-        <p:spPr>
-          <a:xfrm>
-            <a:off x="2432304" y="1752600"/>
-            <a:ext cx="11588496" cy="3352800"/>
-          </a:xfrm>
-        </p:spPr>
-        <p:txBody>
-          <a:bodyPr/>
-          <a:lstStyle/>
-          <a:p>
+          <p:cNvPr id="3" name="Subtitle 2"/>
+          <p:cNvSpPr>
+            <a:spLocks noGrp="1"/>
+          </p:cNvSpPr>
+          <p:nvPr>
+            <p:ph type="subTitle" idx="1"/>
+          </p:nvPr>
+        </p:nvSpPr>
+        <p:spPr>
+          <a:xfrm>
+            <a:off x="168812" y="1267287"/>
+            <a:ext cx="11844798" cy="5372664"/>
+          </a:xfrm>
+        </p:spPr>
+        <p:txBody>
+          <a:bodyPr>
+            <a:normAutofit fontScale="70000" lnSpcReduction="20000"/>
+          </a:bodyPr>
+          <a:lstStyle/>
+          <a:p>
+            <a:r>
+              <a:rPr lang="pt-BR" b="1" dirty="0"/>
+              <a:t> </a:t>
+            </a:r>
             <a:endParaRPr lang="pt-BR" dirty="0"/>
           </a:p>
-        </p:txBody>
-      </p:sp>
-      <p:sp>
-        <p:nvSpPr>
-          <p:cNvPr id="3" name="Subtitle 2"/>
-          <p:cNvSpPr>
-            <a:spLocks noGrp="1"/>
-          </p:cNvSpPr>
-          <p:nvPr>
-            <p:ph type="subTitle" idx="1"/>
-          </p:nvPr>
-        </p:nvSpPr>
-        <p:spPr>
-          <a:xfrm>
-            <a:off x="3304501" y="3664268"/>
-            <a:ext cx="9228201" cy="1645920"/>
-          </a:xfrm>
-        </p:spPr>
-        <p:txBody>
-          <a:bodyPr>
-            <a:normAutofit/>
-          </a:bodyPr>
-          <a:lstStyle/>
+          <a:p>
+            <a:r>
+              <a:rPr lang="pt-BR" b="1" dirty="0"/>
+              <a:t>Ator principal:</a:t>
+            </a:r>
+            <a:r>
+              <a:rPr lang="pt-BR" dirty="0"/>
+              <a:t>Atendente.</a:t>
+            </a:r>
+          </a:p>
+          <a:p>
+            <a:r>
+              <a:rPr lang="pt-BR" b="1" dirty="0"/>
+              <a:t>Interessados e interesses:</a:t>
+            </a:r>
+            <a:endParaRPr lang="pt-BR" dirty="0"/>
+          </a:p>
+          <a:p>
+            <a:pPr lvl="0"/>
+            <a:r>
+              <a:rPr lang="pt-BR" b="1" dirty="0"/>
+              <a:t>Atendente: </a:t>
+            </a:r>
+            <a:r>
+              <a:rPr lang="pt-BR" dirty="0"/>
+              <a:t>deseja que a mesma seja feita de forma simples, e rápida. Deseja que o sistema liste e imprima na tela as ordens de serviço para uma região informada por ele. Deseja ainda ter a possibilidade de verificar a disponibilidade dos motoboys da empresa, a fim de relacionar algum motoboy a uma nova saída. </a:t>
+            </a:r>
+          </a:p>
+          <a:p>
+            <a:pPr lvl="0"/>
+            <a:r>
+              <a:rPr lang="pt-BR" b="1" dirty="0"/>
+              <a:t>Cliente: </a:t>
+            </a:r>
+            <a:r>
+              <a:rPr lang="pt-BR" dirty="0"/>
+              <a:t>deseja que a mesma seja realizada de forma rápida e precisa, a fim de receber suas solicitações de serviços registrados de maneira mais rápida possível. Deseja que o seus serviços registrados sejam realizados dentro do prazo, caso ele exista.</a:t>
+            </a:r>
+          </a:p>
+          <a:p>
+            <a:pPr lvl="0"/>
+            <a:r>
+              <a:rPr lang="pt-BR" b="1" dirty="0"/>
+              <a:t>Gestor: </a:t>
+            </a:r>
+            <a:r>
+              <a:rPr lang="pt-BR" dirty="0"/>
+              <a:t>deseja que a mesma seja realizada de forma, clara e sem erros, a fim de garantir que todas solicitações de serviços registradas no sistema sejam cumpridas. Deseja que o dado referente a hora da saída seja registrado no sistema, com o intuito de controlar o tempo médio gasto para o retorno do motoboy, possibilitando assim determinar a melhor hora do dia para realizar novas saídas. Por fim deseja que o dado referente a data da saída seja gravado no sistema possibilitando calcular o número de saídas realizadas em um único dia.</a:t>
+            </a:r>
+          </a:p>
+          <a:p>
+            <a:pPr lvl="0"/>
+            <a:r>
+              <a:rPr lang="pt-BR" b="1" dirty="0"/>
+              <a:t>Motoboy: </a:t>
+            </a:r>
+            <a:r>
+              <a:rPr lang="pt-BR" dirty="0"/>
+              <a:t>deseja que a mesma seja feita de forma simples, rápida e sem erros. Deseja ser informado de quais ordens de serviço ele será responsável para a nova saída o qual ele foi designado, assim como a região para efetuar os serviços presentes nas ordem de serviços.</a:t>
+            </a:r>
+          </a:p>
           <a:p>
             <a:endParaRPr lang="pt-BR" dirty="0"/>
           </a:p>
@@ -4295,7 +5313,7 @@
         <p:spPr>
           <a:xfrm>
             <a:off x="0" y="-179263"/>
-            <a:ext cx="12013610" cy="1446550"/>
+            <a:ext cx="7959615" cy="1446550"/>
           </a:xfrm>
           <a:prstGeom prst="rect">
             <a:avLst/>
@@ -4308,40 +5326,265 @@
           <a:lstStyle/>
           <a:p>
             <a:r>
-              <a:rPr lang="pt-BR" sz="8800" dirty="0"/>
-              <a:t>Diagrama de Casos de uso</a:t>
-            </a:r>
-          </a:p>
-        </p:txBody>
-      </p:sp>
-      <p:pic>
-        <p:nvPicPr>
-          <p:cNvPr id="7" name="Picture 6"/>
-          <p:cNvPicPr>
-            <a:picLocks noChangeAspect="1"/>
-          </p:cNvPicPr>
-          <p:nvPr/>
-        </p:nvPicPr>
-        <p:blipFill>
-          <a:blip r:embed="rId2"/>
-          <a:stretch>
-            <a:fillRect/>
-          </a:stretch>
-        </p:blipFill>
-        <p:spPr>
-          <a:xfrm>
-            <a:off x="0" y="2516203"/>
-            <a:ext cx="12192000" cy="3942050"/>
-          </a:xfrm>
-          <a:prstGeom prst="rect">
-            <a:avLst/>
-          </a:prstGeom>
-        </p:spPr>
-      </p:pic>
+              <a:rPr lang="pt-BR" sz="8800" dirty="0" smtClean="0"/>
+              <a:t>CDU: Gerar Saída</a:t>
+            </a:r>
+            <a:endParaRPr lang="pt-BR" sz="8800" dirty="0"/>
+          </a:p>
+        </p:txBody>
+      </p:sp>
     </p:spTree>
     <p:extLst>
       <p:ext uri="{BB962C8B-B14F-4D97-AF65-F5344CB8AC3E}">
         <p14:creationId xmlns:p14="http://schemas.microsoft.com/office/powerpoint/2010/main" val="3662779248"/>
+      </p:ext>
+    </p:extLst>
+  </p:cSld>
+  <p:clrMapOvr>
+    <a:masterClrMapping/>
+  </p:clrMapOvr>
+  <p:timing>
+    <p:tnLst>
+      <p:par>
+        <p:cTn id="1" dur="indefinite" restart="never" nodeType="tmRoot"/>
+      </p:par>
+    </p:tnLst>
+  </p:timing>
+</p:sld>
+</file>
+
+<file path=ppt/slides/slide9.xml><?xml version="1.0" encoding="utf-8"?>
+<p:sld xmlns:a="http://schemas.openxmlformats.org/drawingml/2006/main" xmlns:r="http://schemas.openxmlformats.org/officeDocument/2006/relationships" xmlns:p="http://schemas.openxmlformats.org/presentationml/2006/main">
+  <p:cSld>
+    <p:spTree>
+      <p:nvGrpSpPr>
+        <p:cNvPr id="1" name=""/>
+        <p:cNvGrpSpPr/>
+        <p:nvPr/>
+      </p:nvGrpSpPr>
+      <p:grpSpPr>
+        <a:xfrm>
+          <a:off x="0" y="0"/>
+          <a:ext cx="0" cy="0"/>
+          <a:chOff x="0" y="0"/>
+          <a:chExt cx="0" cy="0"/>
+        </a:xfrm>
+      </p:grpSpPr>
+      <p:sp>
+        <p:nvSpPr>
+          <p:cNvPr id="3" name="Subtitle 2"/>
+          <p:cNvSpPr>
+            <a:spLocks noGrp="1"/>
+          </p:cNvSpPr>
+          <p:nvPr>
+            <p:ph type="subTitle" idx="1"/>
+          </p:nvPr>
+        </p:nvSpPr>
+        <p:spPr>
+          <a:xfrm>
+            <a:off x="168812" y="1267287"/>
+            <a:ext cx="11844798" cy="5372664"/>
+          </a:xfrm>
+        </p:spPr>
+        <p:txBody>
+          <a:bodyPr>
+            <a:normAutofit fontScale="40000" lnSpcReduction="20000"/>
+          </a:bodyPr>
+          <a:lstStyle/>
+          <a:p>
+            <a:r>
+              <a:rPr lang="pt-BR" b="1" dirty="0"/>
+              <a:t> </a:t>
+            </a:r>
+            <a:endParaRPr lang="pt-BR" dirty="0"/>
+          </a:p>
+          <a:p>
+            <a:r>
+              <a:rPr lang="pt-BR" sz="4500" b="1" dirty="0"/>
+              <a:t>Pré-condições: </a:t>
+            </a:r>
+            <a:r>
+              <a:rPr lang="pt-BR" sz="4500" dirty="0"/>
+              <a:t>o atendente deverá estar logado no sistema. </a:t>
+            </a:r>
+          </a:p>
+          <a:p>
+            <a:r>
+              <a:rPr lang="pt-BR" sz="4500" b="1" dirty="0"/>
+              <a:t>Pós-condições: </a:t>
+            </a:r>
+            <a:r>
+              <a:rPr lang="pt-BR" sz="4500" dirty="0"/>
+              <a:t>o sistema lista as ordens de serviços, os dados são confirmados e salvos com sucesso pelo sistema.</a:t>
+            </a:r>
+          </a:p>
+          <a:p>
+            <a:r>
+              <a:rPr lang="pt-BR" sz="4500" b="1" dirty="0"/>
+              <a:t>Cenário de sucesso principal: </a:t>
+            </a:r>
+            <a:endParaRPr lang="pt-BR" sz="4500" dirty="0"/>
+          </a:p>
+          <a:p>
+            <a:pPr marL="914400" lvl="0" indent="-914400">
+              <a:buFont typeface="+mj-lt"/>
+              <a:buAutoNum type="arabicPeriod"/>
+            </a:pPr>
+            <a:r>
+              <a:rPr lang="pt-BR" sz="4500" dirty="0"/>
+              <a:t>O atendente seleciona a opção “Gerar Saída”.</a:t>
+            </a:r>
+          </a:p>
+          <a:p>
+            <a:pPr marL="914400" lvl="0" indent="-914400">
+              <a:buFont typeface="+mj-lt"/>
+              <a:buAutoNum type="arabicPeriod"/>
+            </a:pPr>
+            <a:r>
+              <a:rPr lang="pt-BR" sz="4500" dirty="0"/>
+              <a:t>O sistema direciona o atendente para a janela de inserção de dados para uma nova saída.</a:t>
+            </a:r>
+          </a:p>
+          <a:p>
+            <a:pPr marL="914400" lvl="0" indent="-914400">
+              <a:buFont typeface="+mj-lt"/>
+              <a:buAutoNum type="arabicPeriod"/>
+            </a:pPr>
+            <a:r>
+              <a:rPr lang="pt-BR" sz="4500" dirty="0"/>
+              <a:t>O atendente primeiramente seleciona uma região. </a:t>
+            </a:r>
+          </a:p>
+          <a:p>
+            <a:pPr marL="914400" lvl="0" indent="-914400">
+              <a:buFont typeface="+mj-lt"/>
+              <a:buAutoNum type="arabicPeriod"/>
+            </a:pPr>
+            <a:r>
+              <a:rPr lang="pt-BR" sz="4500" dirty="0"/>
+              <a:t>O sistema busca até dez ordens de serviços que estejam pendentes no sistema para a região informada.</a:t>
+            </a:r>
+          </a:p>
+          <a:p>
+            <a:pPr marL="914400" lvl="0" indent="-914400">
+              <a:buFont typeface="+mj-lt"/>
+              <a:buAutoNum type="arabicPeriod"/>
+            </a:pPr>
+            <a:r>
+              <a:rPr lang="pt-BR" sz="4500" dirty="0"/>
+              <a:t>O sistema imprime na tela em forma de tabela os dados das ordens de serviço.</a:t>
+            </a:r>
+          </a:p>
+          <a:p>
+            <a:pPr marL="914400" lvl="0" indent="-914400">
+              <a:buFont typeface="+mj-lt"/>
+              <a:buAutoNum type="arabicPeriod"/>
+            </a:pPr>
+            <a:r>
+              <a:rPr lang="pt-BR" sz="4500" dirty="0"/>
+              <a:t>Em seguida o atendente seleciona a opção "Visualizar Disponibilidade".</a:t>
+            </a:r>
+          </a:p>
+          <a:p>
+            <a:pPr marL="914400" lvl="0" indent="-914400">
+              <a:buFont typeface="+mj-lt"/>
+              <a:buAutoNum type="arabicPeriod"/>
+            </a:pPr>
+            <a:r>
+              <a:rPr lang="pt-BR" sz="4500" dirty="0"/>
+              <a:t>O sistema busca o registro dos motoboys no sistema.</a:t>
+            </a:r>
+          </a:p>
+          <a:p>
+            <a:pPr marL="914400" lvl="0" indent="-914400">
+              <a:buFont typeface="+mj-lt"/>
+              <a:buAutoNum type="arabicPeriod"/>
+            </a:pPr>
+            <a:r>
+              <a:rPr lang="pt-BR" sz="4500" dirty="0"/>
+              <a:t>O sistema imprimi na tela em forma de tabela os dados dos motoboys.</a:t>
+            </a:r>
+          </a:p>
+          <a:p>
+            <a:pPr marL="914400" lvl="0" indent="-914400">
+              <a:buFont typeface="+mj-lt"/>
+              <a:buAutoNum type="arabicPeriod"/>
+            </a:pPr>
+            <a:r>
+              <a:rPr lang="pt-BR" sz="4500" dirty="0"/>
+              <a:t>O atendente preenche o campo com o nome de algum motoboy que esteja marcado como disponível no sistema. </a:t>
+            </a:r>
+          </a:p>
+          <a:p>
+            <a:pPr marL="914400" lvl="0" indent="-914400">
+              <a:buFont typeface="+mj-lt"/>
+              <a:buAutoNum type="arabicPeriod"/>
+            </a:pPr>
+            <a:r>
+              <a:rPr lang="pt-BR" sz="4500" dirty="0"/>
+              <a:t>Por fim o atendente clica na opção "OK".</a:t>
+            </a:r>
+          </a:p>
+          <a:p>
+            <a:pPr marL="914400" lvl="0" indent="-914400">
+              <a:buFont typeface="+mj-lt"/>
+              <a:buAutoNum type="arabicPeriod"/>
+            </a:pPr>
+            <a:r>
+              <a:rPr lang="pt-BR" sz="4500" dirty="0"/>
+              <a:t>O sistema salva os dados informados no Banco de Dados.</a:t>
+            </a:r>
+          </a:p>
+          <a:p>
+            <a:pPr marL="914400" lvl="0" indent="-914400">
+              <a:buFont typeface="+mj-lt"/>
+              <a:buAutoNum type="arabicPeriod"/>
+            </a:pPr>
+            <a:r>
+              <a:rPr lang="pt-BR" sz="4500" dirty="0"/>
+              <a:t>O sistema imprimi uma mensagem na tela "Operação Realizada com Sucesso</a:t>
+            </a:r>
+            <a:r>
+              <a:rPr lang="pt-BR" sz="4500" dirty="0" smtClean="0"/>
+              <a:t>".</a:t>
+            </a:r>
+            <a:endParaRPr lang="pt-BR" sz="4500" dirty="0"/>
+          </a:p>
+        </p:txBody>
+      </p:sp>
+      <p:sp>
+        <p:nvSpPr>
+          <p:cNvPr id="6" name="Rectangle 5"/>
+          <p:cNvSpPr/>
+          <p:nvPr/>
+        </p:nvSpPr>
+        <p:spPr>
+          <a:xfrm>
+            <a:off x="0" y="-179263"/>
+            <a:ext cx="7959615" cy="1446550"/>
+          </a:xfrm>
+          <a:prstGeom prst="rect">
+            <a:avLst/>
+          </a:prstGeom>
+        </p:spPr>
+        <p:txBody>
+          <a:bodyPr wrap="none">
+            <a:spAutoFit/>
+          </a:bodyPr>
+          <a:lstStyle/>
+          <a:p>
+            <a:r>
+              <a:rPr lang="pt-BR" sz="8800" dirty="0" smtClean="0"/>
+              <a:t>CDU: Gerar Saída</a:t>
+            </a:r>
+            <a:endParaRPr lang="pt-BR" sz="8800" dirty="0"/>
+          </a:p>
+        </p:txBody>
+      </p:sp>
+    </p:spTree>
+    <p:extLst>
+      <p:ext uri="{BB962C8B-B14F-4D97-AF65-F5344CB8AC3E}">
+        <p14:creationId xmlns:p14="http://schemas.microsoft.com/office/powerpoint/2010/main" val="3429411628"/>
       </p:ext>
     </p:extLst>
   </p:cSld>

--- a/trunk/Slide/Projeto de uma empresa de motoboy.pptx
+++ b/trunk/Slide/Projeto de uma empresa de motoboy.pptx
@@ -22,6 +22,10 @@
     <p:sldId id="273" r:id="rId16"/>
     <p:sldId id="274" r:id="rId17"/>
     <p:sldId id="275" r:id="rId18"/>
+    <p:sldId id="276" r:id="rId19"/>
+    <p:sldId id="277" r:id="rId20"/>
+    <p:sldId id="278" r:id="rId21"/>
+    <p:sldId id="279" r:id="rId22"/>
   </p:sldIdLst>
   <p:sldSz cx="12192000" cy="6858000"/>
   <p:notesSz cx="6858000" cy="9144000"/>
@@ -4503,6 +4507,164 @@
 </p:sld>
 </file>
 
+<file path=ppt/slides/slide18.xml><?xml version="1.0" encoding="utf-8"?>
+<p:sld xmlns:a="http://schemas.openxmlformats.org/drawingml/2006/main" xmlns:r="http://schemas.openxmlformats.org/officeDocument/2006/relationships" xmlns:p="http://schemas.openxmlformats.org/presentationml/2006/main">
+  <p:cSld>
+    <p:spTree>
+      <p:nvGrpSpPr>
+        <p:cNvPr id="1" name=""/>
+        <p:cNvGrpSpPr/>
+        <p:nvPr/>
+      </p:nvGrpSpPr>
+      <p:grpSpPr>
+        <a:xfrm>
+          <a:off x="0" y="0"/>
+          <a:ext cx="0" cy="0"/>
+          <a:chOff x="0" y="0"/>
+          <a:chExt cx="0" cy="0"/>
+        </a:xfrm>
+      </p:grpSpPr>
+      <p:sp>
+        <p:nvSpPr>
+          <p:cNvPr id="2" name="Title 1"/>
+          <p:cNvSpPr>
+            <a:spLocks noGrp="1"/>
+          </p:cNvSpPr>
+          <p:nvPr>
+            <p:ph type="ctrTitle"/>
+          </p:nvPr>
+        </p:nvSpPr>
+        <p:spPr>
+          <a:xfrm>
+            <a:off x="603504" y="661770"/>
+            <a:ext cx="11588496" cy="3352800"/>
+          </a:xfrm>
+        </p:spPr>
+        <p:txBody>
+          <a:bodyPr/>
+          <a:lstStyle/>
+          <a:p>
+            <a:r>
+              <a:rPr lang="pt-BR" dirty="0" smtClean="0"/>
+              <a:t>Diagrama de implantação e implementação</a:t>
+            </a:r>
+            <a:endParaRPr lang="pt-BR" dirty="0"/>
+          </a:p>
+        </p:txBody>
+      </p:sp>
+      <p:sp>
+        <p:nvSpPr>
+          <p:cNvPr id="3" name="Subtitle 2"/>
+          <p:cNvSpPr>
+            <a:spLocks noGrp="1"/>
+          </p:cNvSpPr>
+          <p:nvPr>
+            <p:ph type="subTitle" idx="1"/>
+          </p:nvPr>
+        </p:nvSpPr>
+        <p:spPr>
+          <a:xfrm>
+            <a:off x="603504" y="4192890"/>
+            <a:ext cx="9228201" cy="1645920"/>
+          </a:xfrm>
+        </p:spPr>
+        <p:txBody>
+          <a:bodyPr>
+            <a:normAutofit/>
+          </a:bodyPr>
+          <a:lstStyle/>
+          <a:p>
+            <a:endParaRPr lang="pt-BR" dirty="0"/>
+          </a:p>
+        </p:txBody>
+      </p:sp>
+    </p:spTree>
+    <p:extLst>
+      <p:ext uri="{BB962C8B-B14F-4D97-AF65-F5344CB8AC3E}">
+        <p14:creationId xmlns:p14="http://schemas.microsoft.com/office/powerpoint/2010/main" val="1607166422"/>
+      </p:ext>
+    </p:extLst>
+  </p:cSld>
+  <p:clrMapOvr>
+    <a:masterClrMapping/>
+  </p:clrMapOvr>
+  <p:timing>
+    <p:tnLst>
+      <p:par>
+        <p:cTn id="1" dur="indefinite" restart="never" nodeType="tmRoot"/>
+      </p:par>
+    </p:tnLst>
+  </p:timing>
+</p:sld>
+</file>
+
+<file path=ppt/slides/slide19.xml><?xml version="1.0" encoding="utf-8"?>
+<p:sld xmlns:a="http://schemas.openxmlformats.org/drawingml/2006/main" xmlns:r="http://schemas.openxmlformats.org/officeDocument/2006/relationships" xmlns:p="http://schemas.openxmlformats.org/presentationml/2006/main">
+  <p:cSld>
+    <p:spTree>
+      <p:nvGrpSpPr>
+        <p:cNvPr id="1" name=""/>
+        <p:cNvGrpSpPr/>
+        <p:nvPr/>
+      </p:nvGrpSpPr>
+      <p:grpSpPr>
+        <a:xfrm>
+          <a:off x="0" y="0"/>
+          <a:ext cx="0" cy="0"/>
+          <a:chOff x="0" y="0"/>
+          <a:chExt cx="0" cy="0"/>
+        </a:xfrm>
+      </p:grpSpPr>
+      <p:pic>
+        <p:nvPicPr>
+          <p:cNvPr id="3" name="Picture 2"/>
+          <p:cNvPicPr>
+            <a:picLocks noChangeAspect="1"/>
+          </p:cNvPicPr>
+          <p:nvPr/>
+        </p:nvPicPr>
+        <p:blipFill>
+          <a:blip r:embed="rId2">
+            <a:extLst>
+              <a:ext uri="{28A0092B-C50C-407E-A947-70E740481C1C}">
+                <a14:useLocalDpi xmlns:a14="http://schemas.microsoft.com/office/drawing/2010/main" val="0"/>
+              </a:ext>
+            </a:extLst>
+          </a:blip>
+          <a:stretch>
+            <a:fillRect/>
+          </a:stretch>
+        </p:blipFill>
+        <p:spPr>
+          <a:xfrm>
+            <a:off x="-4576572" y="-908213"/>
+            <a:ext cx="21414761" cy="12148299"/>
+          </a:xfrm>
+          <a:prstGeom prst="rect">
+            <a:avLst/>
+          </a:prstGeom>
+        </p:spPr>
+      </p:pic>
+    </p:spTree>
+    <p:extLst>
+      <p:ext uri="{BB962C8B-B14F-4D97-AF65-F5344CB8AC3E}">
+        <p14:creationId xmlns:p14="http://schemas.microsoft.com/office/powerpoint/2010/main" val="1165804747"/>
+      </p:ext>
+    </p:extLst>
+  </p:cSld>
+  <p:clrMapOvr>
+    <a:masterClrMapping/>
+  </p:clrMapOvr>
+  <p:timing>
+    <p:tnLst>
+      <p:par>
+        <p:cTn id="1" dur="indefinite" restart="never" nodeType="tmRoot"/>
+      </p:par>
+    </p:tnLst>
+  </p:timing>
+</p:sld>
+</file>
+
 <file path=ppt/slides/slide2.xml><?xml version="1.0" encoding="utf-8"?>
 <p:sld xmlns:a="http://schemas.openxmlformats.org/drawingml/2006/main" xmlns:r="http://schemas.openxmlformats.org/officeDocument/2006/relationships" xmlns:p="http://schemas.openxmlformats.org/presentationml/2006/main">
   <p:cSld>
@@ -4578,6 +4740,164 @@
     <p:extLst>
       <p:ext uri="{BB962C8B-B14F-4D97-AF65-F5344CB8AC3E}">
         <p14:creationId xmlns:p14="http://schemas.microsoft.com/office/powerpoint/2010/main" val="2367033421"/>
+      </p:ext>
+    </p:extLst>
+  </p:cSld>
+  <p:clrMapOvr>
+    <a:masterClrMapping/>
+  </p:clrMapOvr>
+  <p:timing>
+    <p:tnLst>
+      <p:par>
+        <p:cTn id="1" dur="indefinite" restart="never" nodeType="tmRoot"/>
+      </p:par>
+    </p:tnLst>
+  </p:timing>
+</p:sld>
+</file>
+
+<file path=ppt/slides/slide20.xml><?xml version="1.0" encoding="utf-8"?>
+<p:sld xmlns:a="http://schemas.openxmlformats.org/drawingml/2006/main" xmlns:r="http://schemas.openxmlformats.org/officeDocument/2006/relationships" xmlns:p="http://schemas.openxmlformats.org/presentationml/2006/main">
+  <p:cSld>
+    <p:spTree>
+      <p:nvGrpSpPr>
+        <p:cNvPr id="1" name=""/>
+        <p:cNvGrpSpPr/>
+        <p:nvPr/>
+      </p:nvGrpSpPr>
+      <p:grpSpPr>
+        <a:xfrm>
+          <a:off x="0" y="0"/>
+          <a:ext cx="0" cy="0"/>
+          <a:chOff x="0" y="0"/>
+          <a:chExt cx="0" cy="0"/>
+        </a:xfrm>
+      </p:grpSpPr>
+      <p:sp>
+        <p:nvSpPr>
+          <p:cNvPr id="2" name="Title 1"/>
+          <p:cNvSpPr>
+            <a:spLocks noGrp="1"/>
+          </p:cNvSpPr>
+          <p:nvPr>
+            <p:ph type="ctrTitle"/>
+          </p:nvPr>
+        </p:nvSpPr>
+        <p:spPr>
+          <a:xfrm>
+            <a:off x="603504" y="661770"/>
+            <a:ext cx="11588496" cy="3352800"/>
+          </a:xfrm>
+        </p:spPr>
+        <p:txBody>
+          <a:bodyPr/>
+          <a:lstStyle/>
+          <a:p>
+            <a:r>
+              <a:rPr lang="pt-BR" dirty="0" smtClean="0"/>
+              <a:t>Diagrama de pacote</a:t>
+            </a:r>
+            <a:endParaRPr lang="pt-BR" dirty="0"/>
+          </a:p>
+        </p:txBody>
+      </p:sp>
+      <p:sp>
+        <p:nvSpPr>
+          <p:cNvPr id="3" name="Subtitle 2"/>
+          <p:cNvSpPr>
+            <a:spLocks noGrp="1"/>
+          </p:cNvSpPr>
+          <p:nvPr>
+            <p:ph type="subTitle" idx="1"/>
+          </p:nvPr>
+        </p:nvSpPr>
+        <p:spPr>
+          <a:xfrm>
+            <a:off x="603504" y="4192890"/>
+            <a:ext cx="9228201" cy="1645920"/>
+          </a:xfrm>
+        </p:spPr>
+        <p:txBody>
+          <a:bodyPr>
+            <a:normAutofit/>
+          </a:bodyPr>
+          <a:lstStyle/>
+          <a:p>
+            <a:endParaRPr lang="pt-BR" dirty="0"/>
+          </a:p>
+        </p:txBody>
+      </p:sp>
+    </p:spTree>
+    <p:extLst>
+      <p:ext uri="{BB962C8B-B14F-4D97-AF65-F5344CB8AC3E}">
+        <p14:creationId xmlns:p14="http://schemas.microsoft.com/office/powerpoint/2010/main" val="1519094587"/>
+      </p:ext>
+    </p:extLst>
+  </p:cSld>
+  <p:clrMapOvr>
+    <a:masterClrMapping/>
+  </p:clrMapOvr>
+  <p:timing>
+    <p:tnLst>
+      <p:par>
+        <p:cTn id="1" dur="indefinite" restart="never" nodeType="tmRoot"/>
+      </p:par>
+    </p:tnLst>
+  </p:timing>
+</p:sld>
+</file>
+
+<file path=ppt/slides/slide21.xml><?xml version="1.0" encoding="utf-8"?>
+<p:sld xmlns:a="http://schemas.openxmlformats.org/drawingml/2006/main" xmlns:r="http://schemas.openxmlformats.org/officeDocument/2006/relationships" xmlns:p="http://schemas.openxmlformats.org/presentationml/2006/main">
+  <p:cSld>
+    <p:spTree>
+      <p:nvGrpSpPr>
+        <p:cNvPr id="1" name=""/>
+        <p:cNvGrpSpPr/>
+        <p:nvPr/>
+      </p:nvGrpSpPr>
+      <p:grpSpPr>
+        <a:xfrm>
+          <a:off x="0" y="0"/>
+          <a:ext cx="0" cy="0"/>
+          <a:chOff x="0" y="0"/>
+          <a:chExt cx="0" cy="0"/>
+        </a:xfrm>
+      </p:grpSpPr>
+      <p:pic>
+        <p:nvPicPr>
+          <p:cNvPr id="2" name="Picture 1"/>
+          <p:cNvPicPr>
+            <a:picLocks noChangeAspect="1"/>
+          </p:cNvPicPr>
+          <p:nvPr/>
+        </p:nvPicPr>
+        <p:blipFill>
+          <a:blip r:embed="rId2">
+            <a:extLst>
+              <a:ext uri="{28A0092B-C50C-407E-A947-70E740481C1C}">
+                <a14:useLocalDpi xmlns:a14="http://schemas.microsoft.com/office/drawing/2010/main" val="0"/>
+              </a:ext>
+            </a:extLst>
+          </a:blip>
+          <a:stretch>
+            <a:fillRect/>
+          </a:stretch>
+        </p:blipFill>
+        <p:spPr>
+          <a:xfrm>
+            <a:off x="1346284" y="-379830"/>
+            <a:ext cx="9584313" cy="9999344"/>
+          </a:xfrm>
+          <a:prstGeom prst="rect">
+            <a:avLst/>
+          </a:prstGeom>
+        </p:spPr>
+      </p:pic>
+    </p:spTree>
+    <p:extLst>
+      <p:ext uri="{BB962C8B-B14F-4D97-AF65-F5344CB8AC3E}">
+        <p14:creationId xmlns:p14="http://schemas.microsoft.com/office/powerpoint/2010/main" val="1663100990"/>
       </p:ext>
     </p:extLst>
   </p:cSld>

--- a/trunk/Slide/Projeto de uma empresa de motoboy.pptx
+++ b/trunk/Slide/Projeto de uma empresa de motoboy.pptx
@@ -7,25 +7,31 @@
   <p:sldIdLst>
     <p:sldId id="256" r:id="rId2"/>
     <p:sldId id="258" r:id="rId3"/>
-    <p:sldId id="259" r:id="rId4"/>
-    <p:sldId id="260" r:id="rId5"/>
-    <p:sldId id="263" r:id="rId6"/>
-    <p:sldId id="264" r:id="rId7"/>
-    <p:sldId id="265" r:id="rId8"/>
-    <p:sldId id="266" r:id="rId9"/>
-    <p:sldId id="267" r:id="rId10"/>
-    <p:sldId id="268" r:id="rId11"/>
-    <p:sldId id="269" r:id="rId12"/>
-    <p:sldId id="270" r:id="rId13"/>
-    <p:sldId id="271" r:id="rId14"/>
-    <p:sldId id="272" r:id="rId15"/>
-    <p:sldId id="273" r:id="rId16"/>
-    <p:sldId id="274" r:id="rId17"/>
-    <p:sldId id="275" r:id="rId18"/>
-    <p:sldId id="276" r:id="rId19"/>
-    <p:sldId id="277" r:id="rId20"/>
-    <p:sldId id="278" r:id="rId21"/>
-    <p:sldId id="279" r:id="rId22"/>
+    <p:sldId id="287" r:id="rId4"/>
+    <p:sldId id="288" r:id="rId5"/>
+    <p:sldId id="259" r:id="rId6"/>
+    <p:sldId id="285" r:id="rId7"/>
+    <p:sldId id="284" r:id="rId8"/>
+    <p:sldId id="286" r:id="rId9"/>
+    <p:sldId id="265" r:id="rId10"/>
+    <p:sldId id="266" r:id="rId11"/>
+    <p:sldId id="267" r:id="rId12"/>
+    <p:sldId id="268" r:id="rId13"/>
+    <p:sldId id="269" r:id="rId14"/>
+    <p:sldId id="270" r:id="rId15"/>
+    <p:sldId id="271" r:id="rId16"/>
+    <p:sldId id="272" r:id="rId17"/>
+    <p:sldId id="274" r:id="rId18"/>
+    <p:sldId id="275" r:id="rId19"/>
+    <p:sldId id="273" r:id="rId20"/>
+    <p:sldId id="276" r:id="rId21"/>
+    <p:sldId id="277" r:id="rId22"/>
+    <p:sldId id="278" r:id="rId23"/>
+    <p:sldId id="279" r:id="rId24"/>
+    <p:sldId id="280" r:id="rId25"/>
+    <p:sldId id="281" r:id="rId26"/>
+    <p:sldId id="282" r:id="rId27"/>
+    <p:sldId id="283" r:id="rId28"/>
   </p:sldIdLst>
   <p:sldSz cx="12192000" cy="6858000"/>
   <p:notesSz cx="6858000" cy="9144000"/>
@@ -3577,7 +3583,7 @@
         </p:spPr>
         <p:txBody>
           <a:bodyPr>
-            <a:normAutofit fontScale="92500" lnSpcReduction="20000"/>
+            <a:normAutofit fontScale="70000" lnSpcReduction="20000"/>
           </a:bodyPr>
           <a:lstStyle/>
           <a:p>
@@ -3589,107 +3595,67 @@
           </a:p>
           <a:p>
             <a:r>
-              <a:rPr lang="pt-BR" sz="2400" b="1" dirty="0"/>
-              <a:t> Fluxos alternativos:</a:t>
-            </a:r>
-            <a:endParaRPr lang="pt-BR" sz="2400" dirty="0"/>
-          </a:p>
-          <a:p>
-            <a:r>
-              <a:rPr lang="pt-BR" sz="2400" dirty="0"/>
-              <a:t>	4a. O sistema verifica que não existe serviços no estado “Em aberto”.</a:t>
-            </a:r>
-          </a:p>
-          <a:p>
-            <a:r>
-              <a:rPr lang="pt-BR" sz="2400" dirty="0" smtClean="0"/>
-              <a:t>                         1. O sistema informa que a não existe ordens de serviços em aberto naquele momento  </a:t>
-            </a:r>
-          </a:p>
-          <a:p>
-            <a:r>
-              <a:rPr lang="pt-BR" sz="2400" dirty="0" smtClean="0"/>
-              <a:t>                              para aquela região no momento. </a:t>
-            </a:r>
-          </a:p>
-          <a:p>
-            <a:r>
-              <a:rPr lang="pt-BR" sz="2400" dirty="0" smtClean="0"/>
-              <a:t>                         2. O atendente seleciona a opção "Retornar a página principal".</a:t>
-            </a:r>
-          </a:p>
-          <a:p>
-            <a:r>
-              <a:rPr lang="pt-BR" sz="2400" dirty="0" smtClean="0"/>
-              <a:t>                         3. O sistema redireciona o atendente para a página principal.</a:t>
-            </a:r>
-          </a:p>
-          <a:p>
-            <a:r>
-              <a:rPr lang="pt-BR" sz="2400" dirty="0"/>
-              <a:t>	7a. O sistema verifica que não existe motoboy no estado “Disponível”.</a:t>
-            </a:r>
+              <a:rPr lang="pt-BR" b="1" dirty="0"/>
+              <a:t>Ator principal:</a:t>
+            </a:r>
+            <a:r>
+              <a:rPr lang="pt-BR" dirty="0"/>
+              <a:t>Atendente.</a:t>
+            </a:r>
+          </a:p>
+          <a:p>
+            <a:r>
+              <a:rPr lang="pt-BR" b="1" dirty="0"/>
+              <a:t>Interessados e interesses:</a:t>
+            </a:r>
+            <a:endParaRPr lang="pt-BR" dirty="0"/>
           </a:p>
           <a:p>
             <a:pPr lvl="0"/>
             <a:r>
-              <a:rPr lang="pt-BR" sz="2400" dirty="0" smtClean="0"/>
-              <a:t>                         1. O </a:t>
-            </a:r>
-            <a:r>
-              <a:rPr lang="pt-BR" sz="2400" dirty="0"/>
-              <a:t>sistema informa que a não existe motoboy disponível naquele momento na empresa.</a:t>
+              <a:rPr lang="pt-BR" b="1" dirty="0"/>
+              <a:t>Atendente: </a:t>
+            </a:r>
+            <a:r>
+              <a:rPr lang="pt-BR" dirty="0"/>
+              <a:t>deseja que a mesma seja feita de forma simples, e rápida. Deseja que o sistema liste e imprima na tela as ordens de serviço para uma região informada por ele. Deseja ainda ter a possibilidade de verificar a disponibilidade dos motoboys da empresa, a fim de relacionar algum motoboy a uma nova saída. </a:t>
             </a:r>
           </a:p>
           <a:p>
             <a:pPr lvl="0"/>
             <a:r>
-              <a:rPr lang="pt-BR" sz="2400" dirty="0" smtClean="0"/>
-              <a:t>                         2. O </a:t>
-            </a:r>
-            <a:r>
-              <a:rPr lang="pt-BR" sz="2400" dirty="0"/>
-              <a:t>atendente seleciona a opção "Retornar a página principal".</a:t>
+              <a:rPr lang="pt-BR" b="1" dirty="0"/>
+              <a:t>Cliente: </a:t>
+            </a:r>
+            <a:r>
+              <a:rPr lang="pt-BR" dirty="0"/>
+              <a:t>deseja que a mesma seja realizada de forma rápida e precisa, a fim de receber suas solicitações de serviços registrados de maneira mais rápida possível. Deseja que o seus serviços registrados sejam realizados dentro do prazo, caso ele exista.</a:t>
             </a:r>
           </a:p>
           <a:p>
             <a:pPr lvl="0"/>
             <a:r>
-              <a:rPr lang="pt-BR" sz="2400" dirty="0" smtClean="0"/>
-              <a:t>                         3. O </a:t>
-            </a:r>
-            <a:r>
-              <a:rPr lang="pt-BR" sz="2400" dirty="0"/>
-              <a:t>sistema redireciona o atendente para a página principal.</a:t>
-            </a:r>
-          </a:p>
-          <a:p>
-            <a:r>
-              <a:rPr lang="pt-BR" sz="2400" dirty="0"/>
-              <a:t>            	Em qualquer passo dos fluxos, caso o atendente desista de gerar a saída. </a:t>
+              <a:rPr lang="pt-BR" b="1" dirty="0"/>
+              <a:t>Gestor: </a:t>
+            </a:r>
+            <a:r>
+              <a:rPr lang="pt-BR" dirty="0"/>
+              <a:t>deseja que a mesma seja realizada de forma, clara e sem erros, a fim de garantir que todas solicitações de serviços registradas no sistema sejam cumpridas. Deseja que o dado referente a hora da saída seja registrado no sistema, com o intuito de controlar o tempo médio gasto para o retorno do motoboy, possibilitando assim determinar a melhor hora do dia para realizar novas saídas. Por fim deseja que o dado referente a data da saída seja gravado no sistema possibilitando calcular o número de saídas realizadas em um único dia.</a:t>
             </a:r>
           </a:p>
           <a:p>
             <a:pPr lvl="0"/>
             <a:r>
-              <a:rPr lang="pt-BR" sz="2400" dirty="0" smtClean="0"/>
-              <a:t>                         1. O </a:t>
-            </a:r>
-            <a:r>
-              <a:rPr lang="pt-BR" sz="2400" dirty="0"/>
-              <a:t>atendente seleciona a opção “Cancelar”.</a:t>
-            </a:r>
-          </a:p>
-          <a:p>
-            <a:pPr lvl="0"/>
-            <a:r>
-              <a:rPr lang="pt-BR" sz="2400" dirty="0" smtClean="0"/>
-              <a:t>                         2. O </a:t>
-            </a:r>
-            <a:r>
-              <a:rPr lang="pt-BR" sz="2400" dirty="0"/>
-              <a:t>sistema cancela a inserção no banco de dados e nenhum dado é salvo no sistema.</a:t>
-            </a:r>
+              <a:rPr lang="pt-BR" b="1" dirty="0"/>
+              <a:t>Motoboy: </a:t>
+            </a:r>
+            <a:r>
+              <a:rPr lang="pt-BR" dirty="0"/>
+              <a:t>deseja que a mesma seja feita de forma simples, rápida e sem erros. Deseja ser informado de quais ordens de serviço ele será responsável para a nova saída o qual ele foi designado, assim como a região para efetuar os serviços presentes nas ordem de serviços.</a:t>
+            </a:r>
+          </a:p>
+          <a:p>
+            <a:endParaRPr lang="pt-BR" dirty="0"/>
           </a:p>
         </p:txBody>
       </p:sp>
@@ -3725,7 +3691,7 @@
     </p:spTree>
     <p:extLst>
       <p:ext uri="{BB962C8B-B14F-4D97-AF65-F5344CB8AC3E}">
-        <p14:creationId xmlns:p14="http://schemas.microsoft.com/office/powerpoint/2010/main" val="3557137701"/>
+        <p14:creationId xmlns:p14="http://schemas.microsoft.com/office/powerpoint/2010/main" val="3662779248"/>
       </p:ext>
     </p:extLst>
   </p:cSld>
@@ -3777,7 +3743,7 @@
         </p:spPr>
         <p:txBody>
           <a:bodyPr>
-            <a:normAutofit/>
+            <a:normAutofit fontScale="40000" lnSpcReduction="20000"/>
           </a:bodyPr>
           <a:lstStyle/>
           <a:p>
@@ -3789,92 +3755,155 @@
           </a:p>
           <a:p>
             <a:r>
-              <a:rPr lang="pt-BR" sz="2400" b="1" dirty="0"/>
-              <a:t> Requisitos especiais:</a:t>
-            </a:r>
-            <a:endParaRPr lang="pt-BR" sz="2400" dirty="0"/>
-          </a:p>
-          <a:p>
-            <a:r>
-              <a:rPr lang="pt-BR" sz="2400" dirty="0"/>
-              <a:t>	</a:t>
-            </a:r>
-            <a:r>
-              <a:rPr lang="pt-BR" sz="2400" dirty="0" smtClean="0"/>
-              <a:t>- O </a:t>
-            </a:r>
-            <a:r>
-              <a:rPr lang="pt-BR" sz="2400" dirty="0"/>
-              <a:t>texto deve ser visível a uma distância de um metro.</a:t>
-            </a:r>
-          </a:p>
-          <a:p>
-            <a:pPr lvl="0"/>
-            <a:r>
-              <a:rPr lang="pt-BR" sz="2400" dirty="0" smtClean="0"/>
-              <a:t>             - O </a:t>
-            </a:r>
-            <a:r>
-              <a:rPr lang="pt-BR" sz="2400" dirty="0"/>
-              <a:t>sistema deverá ser desenvolvido na linguagem Matlab.</a:t>
-            </a:r>
-          </a:p>
-          <a:p>
-            <a:pPr lvl="0"/>
-            <a:r>
-              <a:rPr lang="pt-BR" sz="2400" dirty="0" smtClean="0"/>
-              <a:t>             - A </a:t>
-            </a:r>
-            <a:r>
-              <a:rPr lang="pt-BR" sz="2400" dirty="0"/>
-              <a:t>resposta da pesquisa realizada pelo sistema deverá demorar em média 10 </a:t>
-            </a:r>
-            <a:r>
-              <a:rPr lang="pt-BR" sz="2400" dirty="0" smtClean="0"/>
-              <a:t>segundos</a:t>
-            </a:r>
-          </a:p>
-          <a:p>
-            <a:pPr lvl="0"/>
-            <a:r>
-              <a:rPr lang="pt-BR" sz="2400" dirty="0" smtClean="0"/>
-              <a:t>              em </a:t>
-            </a:r>
-            <a:r>
-              <a:rPr lang="pt-BR" sz="2400" dirty="0"/>
-              <a:t>90% dos casos.</a:t>
-            </a:r>
-          </a:p>
-          <a:p>
-            <a:pPr lvl="0"/>
-            <a:r>
-              <a:rPr lang="pt-BR" sz="2400" dirty="0" smtClean="0"/>
-              <a:t>             - O </a:t>
-            </a:r>
-            <a:r>
-              <a:rPr lang="pt-BR" sz="2400" dirty="0"/>
-              <a:t>banco de dados utilizado deverá ser o MySQL.</a:t>
-            </a:r>
-          </a:p>
-          <a:p>
-            <a:r>
-              <a:rPr lang="pt-BR" sz="2400" b="1" dirty="0"/>
-              <a:t>Frequência de ocorrência: </a:t>
-            </a:r>
-            <a:r>
-              <a:rPr lang="pt-BR" sz="2400" dirty="0"/>
-              <a:t>algumas vezes ao dia. </a:t>
-            </a:r>
-          </a:p>
-          <a:p>
-            <a:r>
-              <a:rPr lang="pt-BR" sz="2400" b="1" dirty="0"/>
-              <a:t>Problemas em aberto:</a:t>
-            </a:r>
-            <a:r>
-              <a:rPr lang="pt-BR" sz="2400" dirty="0"/>
-              <a:t> nenhum.</a:t>
-            </a:r>
+              <a:rPr lang="pt-BR" sz="4500" b="1" dirty="0"/>
+              <a:t>Pré-condições: </a:t>
+            </a:r>
+            <a:r>
+              <a:rPr lang="pt-BR" sz="4500" dirty="0"/>
+              <a:t>o atendente deverá estar logado no sistema. </a:t>
+            </a:r>
+          </a:p>
+          <a:p>
+            <a:r>
+              <a:rPr lang="pt-BR" sz="4500" b="1" dirty="0"/>
+              <a:t>Pós-condições: </a:t>
+            </a:r>
+            <a:r>
+              <a:rPr lang="pt-BR" sz="4500" dirty="0"/>
+              <a:t>o sistema lista as ordens de serviços, os dados são confirmados e salvos com sucesso pelo sistema.</a:t>
+            </a:r>
+          </a:p>
+          <a:p>
+            <a:r>
+              <a:rPr lang="pt-BR" sz="4500" b="1" dirty="0"/>
+              <a:t>Cenário de sucesso principal: </a:t>
+            </a:r>
+            <a:endParaRPr lang="pt-BR" sz="4500" dirty="0"/>
+          </a:p>
+          <a:p>
+            <a:pPr marL="914400" lvl="0" indent="-914400">
+              <a:buFont typeface="+mj-lt"/>
+              <a:buAutoNum type="arabicPeriod"/>
+            </a:pPr>
+            <a:r>
+              <a:rPr lang="pt-BR" sz="4500" dirty="0"/>
+              <a:t>O atendente seleciona a opção “Gerar Saída”.</a:t>
+            </a:r>
+          </a:p>
+          <a:p>
+            <a:pPr marL="914400" lvl="0" indent="-914400">
+              <a:buFont typeface="+mj-lt"/>
+              <a:buAutoNum type="arabicPeriod"/>
+            </a:pPr>
+            <a:r>
+              <a:rPr lang="pt-BR" sz="4500" dirty="0"/>
+              <a:t>O sistema direciona o atendente para a janela de inserção de dados para uma nova saída.</a:t>
+            </a:r>
+          </a:p>
+          <a:p>
+            <a:pPr marL="914400" lvl="0" indent="-914400">
+              <a:buFont typeface="+mj-lt"/>
+              <a:buAutoNum type="arabicPeriod"/>
+            </a:pPr>
+            <a:r>
+              <a:rPr lang="pt-BR" sz="4500" dirty="0"/>
+              <a:t>O atendente primeiramente seleciona uma região. </a:t>
+            </a:r>
+          </a:p>
+          <a:p>
+            <a:pPr marL="914400" lvl="0" indent="-914400">
+              <a:buFont typeface="+mj-lt"/>
+              <a:buAutoNum type="arabicPeriod"/>
+            </a:pPr>
+            <a:r>
+              <a:rPr lang="pt-BR" sz="4500" dirty="0"/>
+              <a:t>O sistema busca até dez ordens de serviços que estejam pendentes no sistema para a região informada.</a:t>
+            </a:r>
+          </a:p>
+          <a:p>
+            <a:pPr marL="914400" lvl="0" indent="-914400">
+              <a:buFont typeface="+mj-lt"/>
+              <a:buAutoNum type="arabicPeriod"/>
+            </a:pPr>
+            <a:r>
+              <a:rPr lang="pt-BR" sz="4500" dirty="0"/>
+              <a:t>O sistema imprime na tela em forma de tabela os dados das ordens de serviço.</a:t>
+            </a:r>
+          </a:p>
+          <a:p>
+            <a:pPr marL="914400" lvl="0" indent="-914400">
+              <a:buFont typeface="+mj-lt"/>
+              <a:buAutoNum type="arabicPeriod"/>
+            </a:pPr>
+            <a:r>
+              <a:rPr lang="pt-BR" sz="4500" dirty="0"/>
+              <a:t>Em seguida o atendente seleciona a opção "Visualizar Disponibilidade".</a:t>
+            </a:r>
+          </a:p>
+          <a:p>
+            <a:pPr marL="914400" lvl="0" indent="-914400">
+              <a:buFont typeface="+mj-lt"/>
+              <a:buAutoNum type="arabicPeriod"/>
+            </a:pPr>
+            <a:r>
+              <a:rPr lang="pt-BR" sz="4500" dirty="0"/>
+              <a:t>O sistema busca o registro dos motoboys no sistema.</a:t>
+            </a:r>
+          </a:p>
+          <a:p>
+            <a:pPr marL="914400" lvl="0" indent="-914400">
+              <a:buFont typeface="+mj-lt"/>
+              <a:buAutoNum type="arabicPeriod"/>
+            </a:pPr>
+            <a:r>
+              <a:rPr lang="pt-BR" sz="4500" dirty="0"/>
+              <a:t>O sistema imprimi na tela em forma de tabela os dados dos motoboys.</a:t>
+            </a:r>
+          </a:p>
+          <a:p>
+            <a:pPr marL="914400" lvl="0" indent="-914400">
+              <a:buFont typeface="+mj-lt"/>
+              <a:buAutoNum type="arabicPeriod"/>
+            </a:pPr>
+            <a:r>
+              <a:rPr lang="pt-BR" sz="4500" dirty="0"/>
+              <a:t>O atendente preenche o campo com o nome de algum motoboy que esteja marcado como disponível no sistema. </a:t>
+            </a:r>
+          </a:p>
+          <a:p>
+            <a:pPr marL="914400" lvl="0" indent="-914400">
+              <a:buFont typeface="+mj-lt"/>
+              <a:buAutoNum type="arabicPeriod"/>
+            </a:pPr>
+            <a:r>
+              <a:rPr lang="pt-BR" sz="4500" dirty="0"/>
+              <a:t>Por fim o atendente clica na opção "OK".</a:t>
+            </a:r>
+          </a:p>
+          <a:p>
+            <a:pPr marL="914400" lvl="0" indent="-914400">
+              <a:buFont typeface="+mj-lt"/>
+              <a:buAutoNum type="arabicPeriod"/>
+            </a:pPr>
+            <a:r>
+              <a:rPr lang="pt-BR" sz="4500" dirty="0"/>
+              <a:t>O sistema salva os dados informados no Banco de Dados.</a:t>
+            </a:r>
+          </a:p>
+          <a:p>
+            <a:pPr marL="914400" lvl="0" indent="-914400">
+              <a:buFont typeface="+mj-lt"/>
+              <a:buAutoNum type="arabicPeriod"/>
+            </a:pPr>
+            <a:r>
+              <a:rPr lang="pt-BR" sz="4500" dirty="0"/>
+              <a:t>O sistema imprimi uma mensagem na tela "Operação Realizada com Sucesso</a:t>
+            </a:r>
+            <a:r>
+              <a:rPr lang="pt-BR" sz="4500" dirty="0" smtClean="0"/>
+              <a:t>".</a:t>
+            </a:r>
+            <a:endParaRPr lang="pt-BR" sz="4500" dirty="0"/>
           </a:p>
         </p:txBody>
       </p:sp>
@@ -3910,7 +3939,7 @@
     </p:spTree>
     <p:extLst>
       <p:ext uri="{BB962C8B-B14F-4D97-AF65-F5344CB8AC3E}">
-        <p14:creationId xmlns:p14="http://schemas.microsoft.com/office/powerpoint/2010/main" val="824946943"/>
+        <p14:creationId xmlns:p14="http://schemas.microsoft.com/office/powerpoint/2010/main" val="3429411628"/>
       </p:ext>
     </p:extLst>
   </p:cSld>
@@ -3946,6 +3975,391 @@
       </p:grpSpPr>
       <p:sp>
         <p:nvSpPr>
+          <p:cNvPr id="3" name="Subtitle 2"/>
+          <p:cNvSpPr>
+            <a:spLocks noGrp="1"/>
+          </p:cNvSpPr>
+          <p:nvPr>
+            <p:ph type="subTitle" idx="1"/>
+          </p:nvPr>
+        </p:nvSpPr>
+        <p:spPr>
+          <a:xfrm>
+            <a:off x="168812" y="1267287"/>
+            <a:ext cx="11844798" cy="5372664"/>
+          </a:xfrm>
+        </p:spPr>
+        <p:txBody>
+          <a:bodyPr>
+            <a:normAutofit fontScale="92500" lnSpcReduction="20000"/>
+          </a:bodyPr>
+          <a:lstStyle/>
+          <a:p>
+            <a:r>
+              <a:rPr lang="pt-BR" b="1" dirty="0"/>
+              <a:t> </a:t>
+            </a:r>
+            <a:endParaRPr lang="pt-BR" dirty="0"/>
+          </a:p>
+          <a:p>
+            <a:r>
+              <a:rPr lang="pt-BR" sz="2400" b="1" dirty="0"/>
+              <a:t> Fluxos alternativos:</a:t>
+            </a:r>
+            <a:endParaRPr lang="pt-BR" sz="2400" dirty="0"/>
+          </a:p>
+          <a:p>
+            <a:r>
+              <a:rPr lang="pt-BR" sz="2400" dirty="0"/>
+              <a:t>	4a. O sistema verifica que não existe serviços no estado “Em aberto”.</a:t>
+            </a:r>
+          </a:p>
+          <a:p>
+            <a:r>
+              <a:rPr lang="pt-BR" sz="2400" dirty="0" smtClean="0"/>
+              <a:t>                         1. O sistema informa que a não existe ordens de serviços em aberto naquele momento  </a:t>
+            </a:r>
+          </a:p>
+          <a:p>
+            <a:r>
+              <a:rPr lang="pt-BR" sz="2400" dirty="0" smtClean="0"/>
+              <a:t>                              para aquela região no momento. </a:t>
+            </a:r>
+          </a:p>
+          <a:p>
+            <a:r>
+              <a:rPr lang="pt-BR" sz="2400" dirty="0" smtClean="0"/>
+              <a:t>                         2. O atendente seleciona a opção "Retornar a página principal".</a:t>
+            </a:r>
+          </a:p>
+          <a:p>
+            <a:r>
+              <a:rPr lang="pt-BR" sz="2400" dirty="0" smtClean="0"/>
+              <a:t>                         3. O sistema redireciona o atendente para a página principal.</a:t>
+            </a:r>
+          </a:p>
+          <a:p>
+            <a:r>
+              <a:rPr lang="pt-BR" sz="2400" dirty="0"/>
+              <a:t>	7a. O sistema verifica que não existe motoboy no estado “Disponível”.</a:t>
+            </a:r>
+          </a:p>
+          <a:p>
+            <a:pPr lvl="0"/>
+            <a:r>
+              <a:rPr lang="pt-BR" sz="2400" dirty="0" smtClean="0"/>
+              <a:t>                         1. O </a:t>
+            </a:r>
+            <a:r>
+              <a:rPr lang="pt-BR" sz="2400" dirty="0"/>
+              <a:t>sistema informa que a não existe motoboy disponível naquele momento na empresa.</a:t>
+            </a:r>
+          </a:p>
+          <a:p>
+            <a:pPr lvl="0"/>
+            <a:r>
+              <a:rPr lang="pt-BR" sz="2400" dirty="0" smtClean="0"/>
+              <a:t>                         2. O </a:t>
+            </a:r>
+            <a:r>
+              <a:rPr lang="pt-BR" sz="2400" dirty="0"/>
+              <a:t>atendente seleciona a opção "Retornar a página principal".</a:t>
+            </a:r>
+          </a:p>
+          <a:p>
+            <a:pPr lvl="0"/>
+            <a:r>
+              <a:rPr lang="pt-BR" sz="2400" dirty="0" smtClean="0"/>
+              <a:t>                         3. O </a:t>
+            </a:r>
+            <a:r>
+              <a:rPr lang="pt-BR" sz="2400" dirty="0"/>
+              <a:t>sistema redireciona o atendente para a página principal.</a:t>
+            </a:r>
+          </a:p>
+          <a:p>
+            <a:r>
+              <a:rPr lang="pt-BR" sz="2400" dirty="0"/>
+              <a:t>            	Em qualquer passo dos fluxos, caso o atendente desista de gerar a saída. </a:t>
+            </a:r>
+          </a:p>
+          <a:p>
+            <a:pPr lvl="0"/>
+            <a:r>
+              <a:rPr lang="pt-BR" sz="2400" dirty="0" smtClean="0"/>
+              <a:t>                         1. O </a:t>
+            </a:r>
+            <a:r>
+              <a:rPr lang="pt-BR" sz="2400" dirty="0"/>
+              <a:t>atendente seleciona a opção “Cancelar”.</a:t>
+            </a:r>
+          </a:p>
+          <a:p>
+            <a:pPr lvl="0"/>
+            <a:r>
+              <a:rPr lang="pt-BR" sz="2400" dirty="0" smtClean="0"/>
+              <a:t>                         2. O </a:t>
+            </a:r>
+            <a:r>
+              <a:rPr lang="pt-BR" sz="2400" dirty="0"/>
+              <a:t>sistema cancela a inserção no banco de dados e nenhum dado é salvo no sistema.</a:t>
+            </a:r>
+          </a:p>
+        </p:txBody>
+      </p:sp>
+      <p:sp>
+        <p:nvSpPr>
+          <p:cNvPr id="6" name="Rectangle 5"/>
+          <p:cNvSpPr/>
+          <p:nvPr/>
+        </p:nvSpPr>
+        <p:spPr>
+          <a:xfrm>
+            <a:off x="0" y="-179263"/>
+            <a:ext cx="7959615" cy="1446550"/>
+          </a:xfrm>
+          <a:prstGeom prst="rect">
+            <a:avLst/>
+          </a:prstGeom>
+        </p:spPr>
+        <p:txBody>
+          <a:bodyPr wrap="none">
+            <a:spAutoFit/>
+          </a:bodyPr>
+          <a:lstStyle/>
+          <a:p>
+            <a:r>
+              <a:rPr lang="pt-BR" sz="8800" dirty="0" smtClean="0"/>
+              <a:t>CDU: Gerar Saída</a:t>
+            </a:r>
+            <a:endParaRPr lang="pt-BR" sz="8800" dirty="0"/>
+          </a:p>
+        </p:txBody>
+      </p:sp>
+    </p:spTree>
+    <p:extLst>
+      <p:ext uri="{BB962C8B-B14F-4D97-AF65-F5344CB8AC3E}">
+        <p14:creationId xmlns:p14="http://schemas.microsoft.com/office/powerpoint/2010/main" val="3557137701"/>
+      </p:ext>
+    </p:extLst>
+  </p:cSld>
+  <p:clrMapOvr>
+    <a:masterClrMapping/>
+  </p:clrMapOvr>
+  <p:timing>
+    <p:tnLst>
+      <p:par>
+        <p:cTn id="1" dur="indefinite" restart="never" nodeType="tmRoot"/>
+      </p:par>
+    </p:tnLst>
+  </p:timing>
+</p:sld>
+</file>
+
+<file path=ppt/slides/slide13.xml><?xml version="1.0" encoding="utf-8"?>
+<p:sld xmlns:a="http://schemas.openxmlformats.org/drawingml/2006/main" xmlns:r="http://schemas.openxmlformats.org/officeDocument/2006/relationships" xmlns:p="http://schemas.openxmlformats.org/presentationml/2006/main">
+  <p:cSld>
+    <p:spTree>
+      <p:nvGrpSpPr>
+        <p:cNvPr id="1" name=""/>
+        <p:cNvGrpSpPr/>
+        <p:nvPr/>
+      </p:nvGrpSpPr>
+      <p:grpSpPr>
+        <a:xfrm>
+          <a:off x="0" y="0"/>
+          <a:ext cx="0" cy="0"/>
+          <a:chOff x="0" y="0"/>
+          <a:chExt cx="0" cy="0"/>
+        </a:xfrm>
+      </p:grpSpPr>
+      <p:sp>
+        <p:nvSpPr>
+          <p:cNvPr id="3" name="Subtitle 2"/>
+          <p:cNvSpPr>
+            <a:spLocks noGrp="1"/>
+          </p:cNvSpPr>
+          <p:nvPr>
+            <p:ph type="subTitle" idx="1"/>
+          </p:nvPr>
+        </p:nvSpPr>
+        <p:spPr>
+          <a:xfrm>
+            <a:off x="168812" y="1267287"/>
+            <a:ext cx="11844798" cy="5372664"/>
+          </a:xfrm>
+        </p:spPr>
+        <p:txBody>
+          <a:bodyPr>
+            <a:normAutofit/>
+          </a:bodyPr>
+          <a:lstStyle/>
+          <a:p>
+            <a:r>
+              <a:rPr lang="pt-BR" b="1" dirty="0"/>
+              <a:t> </a:t>
+            </a:r>
+            <a:endParaRPr lang="pt-BR" dirty="0"/>
+          </a:p>
+          <a:p>
+            <a:r>
+              <a:rPr lang="pt-BR" sz="2400" b="1" dirty="0"/>
+              <a:t> Requisitos especiais:</a:t>
+            </a:r>
+            <a:endParaRPr lang="pt-BR" sz="2400" dirty="0"/>
+          </a:p>
+          <a:p>
+            <a:r>
+              <a:rPr lang="pt-BR" sz="2400" dirty="0"/>
+              <a:t>	</a:t>
+            </a:r>
+            <a:r>
+              <a:rPr lang="pt-BR" sz="2400" dirty="0" smtClean="0"/>
+              <a:t>- O </a:t>
+            </a:r>
+            <a:r>
+              <a:rPr lang="pt-BR" sz="2400" dirty="0"/>
+              <a:t>texto deve ser visível a uma distância de um metro.</a:t>
+            </a:r>
+          </a:p>
+          <a:p>
+            <a:pPr lvl="0"/>
+            <a:r>
+              <a:rPr lang="pt-BR" sz="2400" dirty="0" smtClean="0"/>
+              <a:t>             - O </a:t>
+            </a:r>
+            <a:r>
+              <a:rPr lang="pt-BR" sz="2400" dirty="0"/>
+              <a:t>sistema deverá ser desenvolvido na linguagem Matlab.</a:t>
+            </a:r>
+          </a:p>
+          <a:p>
+            <a:pPr lvl="0"/>
+            <a:r>
+              <a:rPr lang="pt-BR" sz="2400" dirty="0" smtClean="0"/>
+              <a:t>             - A </a:t>
+            </a:r>
+            <a:r>
+              <a:rPr lang="pt-BR" sz="2400" dirty="0"/>
+              <a:t>resposta da pesquisa realizada pelo sistema deverá demorar em média 10 </a:t>
+            </a:r>
+            <a:r>
+              <a:rPr lang="pt-BR" sz="2400" dirty="0" smtClean="0"/>
+              <a:t>segundos</a:t>
+            </a:r>
+          </a:p>
+          <a:p>
+            <a:pPr lvl="0"/>
+            <a:r>
+              <a:rPr lang="pt-BR" sz="2400" dirty="0" smtClean="0"/>
+              <a:t>              em </a:t>
+            </a:r>
+            <a:r>
+              <a:rPr lang="pt-BR" sz="2400" dirty="0"/>
+              <a:t>90% dos casos.</a:t>
+            </a:r>
+          </a:p>
+          <a:p>
+            <a:pPr lvl="0"/>
+            <a:r>
+              <a:rPr lang="pt-BR" sz="2400" dirty="0" smtClean="0"/>
+              <a:t>             - O </a:t>
+            </a:r>
+            <a:r>
+              <a:rPr lang="pt-BR" sz="2400" dirty="0"/>
+              <a:t>banco de dados utilizado deverá ser o MySQL.</a:t>
+            </a:r>
+          </a:p>
+          <a:p>
+            <a:r>
+              <a:rPr lang="pt-BR" sz="2400" b="1" dirty="0"/>
+              <a:t>Frequência de ocorrência: </a:t>
+            </a:r>
+            <a:r>
+              <a:rPr lang="pt-BR" sz="2400" dirty="0"/>
+              <a:t>algumas vezes ao dia. </a:t>
+            </a:r>
+          </a:p>
+          <a:p>
+            <a:r>
+              <a:rPr lang="pt-BR" sz="2400" b="1" dirty="0"/>
+              <a:t>Problemas em aberto:</a:t>
+            </a:r>
+            <a:r>
+              <a:rPr lang="pt-BR" sz="2400" dirty="0"/>
+              <a:t> nenhum.</a:t>
+            </a:r>
+          </a:p>
+        </p:txBody>
+      </p:sp>
+      <p:sp>
+        <p:nvSpPr>
+          <p:cNvPr id="6" name="Rectangle 5"/>
+          <p:cNvSpPr/>
+          <p:nvPr/>
+        </p:nvSpPr>
+        <p:spPr>
+          <a:xfrm>
+            <a:off x="0" y="-179263"/>
+            <a:ext cx="7959615" cy="1446550"/>
+          </a:xfrm>
+          <a:prstGeom prst="rect">
+            <a:avLst/>
+          </a:prstGeom>
+        </p:spPr>
+        <p:txBody>
+          <a:bodyPr wrap="none">
+            <a:spAutoFit/>
+          </a:bodyPr>
+          <a:lstStyle/>
+          <a:p>
+            <a:r>
+              <a:rPr lang="pt-BR" sz="8800" dirty="0" smtClean="0"/>
+              <a:t>CDU: Gerar Saída</a:t>
+            </a:r>
+            <a:endParaRPr lang="pt-BR" sz="8800" dirty="0"/>
+          </a:p>
+        </p:txBody>
+      </p:sp>
+    </p:spTree>
+    <p:extLst>
+      <p:ext uri="{BB962C8B-B14F-4D97-AF65-F5344CB8AC3E}">
+        <p14:creationId xmlns:p14="http://schemas.microsoft.com/office/powerpoint/2010/main" val="824946943"/>
+      </p:ext>
+    </p:extLst>
+  </p:cSld>
+  <p:clrMapOvr>
+    <a:masterClrMapping/>
+  </p:clrMapOvr>
+  <p:timing>
+    <p:tnLst>
+      <p:par>
+        <p:cTn id="1" dur="indefinite" restart="never" nodeType="tmRoot"/>
+      </p:par>
+    </p:tnLst>
+  </p:timing>
+</p:sld>
+</file>
+
+<file path=ppt/slides/slide14.xml><?xml version="1.0" encoding="utf-8"?>
+<p:sld xmlns:a="http://schemas.openxmlformats.org/drawingml/2006/main" xmlns:r="http://schemas.openxmlformats.org/officeDocument/2006/relationships" xmlns:p="http://schemas.openxmlformats.org/presentationml/2006/main">
+  <p:cSld>
+    <p:spTree>
+      <p:nvGrpSpPr>
+        <p:cNvPr id="1" name=""/>
+        <p:cNvGrpSpPr/>
+        <p:nvPr/>
+      </p:nvGrpSpPr>
+      <p:grpSpPr>
+        <a:xfrm>
+          <a:off x="0" y="0"/>
+          <a:ext cx="0" cy="0"/>
+          <a:chOff x="0" y="0"/>
+          <a:chExt cx="0" cy="0"/>
+        </a:xfrm>
+      </p:grpSpPr>
+      <p:sp>
+        <p:nvSpPr>
           <p:cNvPr id="2" name="Title 1"/>
           <p:cNvSpPr>
             <a:spLocks noGrp="1"/>
@@ -4018,7 +4432,7 @@
 </p:sld>
 </file>
 
-<file path=ppt/slides/slide13.xml><?xml version="1.0" encoding="utf-8"?>
+<file path=ppt/slides/slide15.xml><?xml version="1.0" encoding="utf-8"?>
 <p:sld xmlns:a="http://schemas.openxmlformats.org/drawingml/2006/main" xmlns:r="http://schemas.openxmlformats.org/officeDocument/2006/relationships" xmlns:p="http://schemas.openxmlformats.org/presentationml/2006/main">
   <p:cSld>
     <p:spTree>
@@ -4085,7 +4499,7 @@
 </p:sld>
 </file>
 
-<file path=ppt/slides/slide14.xml><?xml version="1.0" encoding="utf-8"?>
+<file path=ppt/slides/slide16.xml><?xml version="1.0" encoding="utf-8"?>
 <p:sld xmlns:a="http://schemas.openxmlformats.org/drawingml/2006/main" xmlns:r="http://schemas.openxmlformats.org/officeDocument/2006/relationships" xmlns:p="http://schemas.openxmlformats.org/presentationml/2006/main">
   <p:cSld>
     <p:spTree>
@@ -4157,8 +4571,8 @@
               <a:buChar char="•"/>
             </a:pPr>
             <a:r>
-              <a:rPr lang="pt-BR" dirty="0" smtClean="0"/>
-              <a:t>Gerar Saída</a:t>
+              <a:rPr lang="pt-BR" dirty="0"/>
+              <a:t>Selecionar ordem de serviço por região</a:t>
             </a:r>
           </a:p>
           <a:p>
@@ -4167,8 +4581,8 @@
               <a:buChar char="•"/>
             </a:pPr>
             <a:r>
-              <a:rPr lang="pt-BR" dirty="0" smtClean="0"/>
-              <a:t>Selecionar ordem de serviço por região</a:t>
+              <a:rPr lang="pt-BR" dirty="0"/>
+              <a:t>Visualizar disponibilidade do motoboy</a:t>
             </a:r>
           </a:p>
           <a:p>
@@ -4178,7 +4592,7 @@
             </a:pPr>
             <a:r>
               <a:rPr lang="pt-BR" dirty="0" smtClean="0"/>
-              <a:t>Visualizar disponibilidade do motoboy</a:t>
+              <a:t>Gerar Saída</a:t>
             </a:r>
             <a:endParaRPr lang="pt-BR" dirty="0"/>
           </a:p>
@@ -4204,7 +4618,214 @@
 </p:sld>
 </file>
 
-<file path=ppt/slides/slide15.xml><?xml version="1.0" encoding="utf-8"?>
+<file path=ppt/slides/slide17.xml><?xml version="1.0" encoding="utf-8"?>
+<p:sld xmlns:a="http://schemas.openxmlformats.org/drawingml/2006/main" xmlns:r="http://schemas.openxmlformats.org/officeDocument/2006/relationships" xmlns:p="http://schemas.openxmlformats.org/presentationml/2006/main">
+  <p:cSld>
+    <p:spTree>
+      <p:nvGrpSpPr>
+        <p:cNvPr id="1" name=""/>
+        <p:cNvGrpSpPr/>
+        <p:nvPr/>
+      </p:nvGrpSpPr>
+      <p:grpSpPr>
+        <a:xfrm>
+          <a:off x="0" y="0"/>
+          <a:ext cx="0" cy="0"/>
+          <a:chOff x="0" y="0"/>
+          <a:chExt cx="0" cy="0"/>
+        </a:xfrm>
+      </p:grpSpPr>
+      <p:sp>
+        <p:nvSpPr>
+          <p:cNvPr id="5" name="Rectangle 4"/>
+          <p:cNvSpPr/>
+          <p:nvPr/>
+        </p:nvSpPr>
+        <p:spPr>
+          <a:xfrm>
+            <a:off x="711941" y="1297845"/>
+            <a:ext cx="11199476" cy="923330"/>
+          </a:xfrm>
+          <a:prstGeom prst="rect">
+            <a:avLst/>
+          </a:prstGeom>
+        </p:spPr>
+        <p:txBody>
+          <a:bodyPr wrap="none">
+            <a:spAutoFit/>
+          </a:bodyPr>
+          <a:lstStyle/>
+          <a:p>
+            <a:r>
+              <a:rPr lang="pt-BR" sz="5400" dirty="0"/>
+              <a:t>Selecionar ordem de </a:t>
+            </a:r>
+            <a:r>
+              <a:rPr lang="pt-BR" sz="5400" dirty="0" smtClean="0"/>
+              <a:t>serviço </a:t>
+            </a:r>
+            <a:r>
+              <a:rPr lang="pt-BR" sz="5400" dirty="0"/>
+              <a:t>por região</a:t>
+            </a:r>
+          </a:p>
+        </p:txBody>
+      </p:sp>
+      <p:pic>
+        <p:nvPicPr>
+          <p:cNvPr id="3" name="Picture 2"/>
+          <p:cNvPicPr>
+            <a:picLocks noChangeAspect="1"/>
+          </p:cNvPicPr>
+          <p:nvPr/>
+        </p:nvPicPr>
+        <p:blipFill>
+          <a:blip r:embed="rId2">
+            <a:extLst>
+              <a:ext uri="{28A0092B-C50C-407E-A947-70E740481C1C}">
+                <a14:useLocalDpi xmlns:a14="http://schemas.microsoft.com/office/drawing/2010/main" val="0"/>
+              </a:ext>
+            </a:extLst>
+          </a:blip>
+          <a:stretch>
+            <a:fillRect/>
+          </a:stretch>
+        </p:blipFill>
+        <p:spPr>
+          <a:xfrm>
+            <a:off x="-1097281" y="2895176"/>
+            <a:ext cx="14817920" cy="6431704"/>
+          </a:xfrm>
+          <a:prstGeom prst="rect">
+            <a:avLst/>
+          </a:prstGeom>
+        </p:spPr>
+      </p:pic>
+    </p:spTree>
+    <p:extLst>
+      <p:ext uri="{BB962C8B-B14F-4D97-AF65-F5344CB8AC3E}">
+        <p14:creationId xmlns:p14="http://schemas.microsoft.com/office/powerpoint/2010/main" val="4141063030"/>
+      </p:ext>
+    </p:extLst>
+  </p:cSld>
+  <p:clrMapOvr>
+    <a:masterClrMapping/>
+  </p:clrMapOvr>
+  <p:timing>
+    <p:tnLst>
+      <p:par>
+        <p:cTn id="1" dur="indefinite" restart="never" nodeType="tmRoot"/>
+      </p:par>
+    </p:tnLst>
+  </p:timing>
+</p:sld>
+</file>
+
+<file path=ppt/slides/slide18.xml><?xml version="1.0" encoding="utf-8"?>
+<p:sld xmlns:a="http://schemas.openxmlformats.org/drawingml/2006/main" xmlns:r="http://schemas.openxmlformats.org/officeDocument/2006/relationships" xmlns:p="http://schemas.openxmlformats.org/presentationml/2006/main">
+  <p:cSld>
+    <p:spTree>
+      <p:nvGrpSpPr>
+        <p:cNvPr id="1" name=""/>
+        <p:cNvGrpSpPr/>
+        <p:nvPr/>
+      </p:nvGrpSpPr>
+      <p:grpSpPr>
+        <a:xfrm>
+          <a:off x="0" y="0"/>
+          <a:ext cx="0" cy="0"/>
+          <a:chOff x="0" y="0"/>
+          <a:chExt cx="0" cy="0"/>
+        </a:xfrm>
+      </p:grpSpPr>
+      <p:sp>
+        <p:nvSpPr>
+          <p:cNvPr id="5" name="Rectangle 4"/>
+          <p:cNvSpPr/>
+          <p:nvPr/>
+        </p:nvSpPr>
+        <p:spPr>
+          <a:xfrm>
+            <a:off x="886266" y="1176375"/>
+            <a:ext cx="10713574" cy="923330"/>
+          </a:xfrm>
+          <a:prstGeom prst="rect">
+            <a:avLst/>
+          </a:prstGeom>
+        </p:spPr>
+        <p:txBody>
+          <a:bodyPr wrap="none">
+            <a:spAutoFit/>
+          </a:bodyPr>
+          <a:lstStyle/>
+          <a:p>
+            <a:r>
+              <a:rPr lang="pt-BR" sz="5400" dirty="0"/>
+              <a:t>Visualizar </a:t>
+            </a:r>
+            <a:r>
+              <a:rPr lang="pt-BR" sz="5400" dirty="0" smtClean="0"/>
+              <a:t>disponibilidade do </a:t>
+            </a:r>
+            <a:r>
+              <a:rPr lang="pt-BR" sz="5400" dirty="0"/>
+              <a:t>motoboy</a:t>
+            </a:r>
+            <a:endParaRPr lang="pt-BR" sz="5400" dirty="0"/>
+          </a:p>
+        </p:txBody>
+      </p:sp>
+      <p:pic>
+        <p:nvPicPr>
+          <p:cNvPr id="2" name="Picture 1"/>
+          <p:cNvPicPr>
+            <a:picLocks noChangeAspect="1"/>
+          </p:cNvPicPr>
+          <p:nvPr/>
+        </p:nvPicPr>
+        <p:blipFill>
+          <a:blip r:embed="rId2">
+            <a:extLst>
+              <a:ext uri="{28A0092B-C50C-407E-A947-70E740481C1C}">
+                <a14:useLocalDpi xmlns:a14="http://schemas.microsoft.com/office/drawing/2010/main" val="0"/>
+              </a:ext>
+            </a:extLst>
+          </a:blip>
+          <a:stretch>
+            <a:fillRect/>
+          </a:stretch>
+        </p:blipFill>
+        <p:spPr>
+          <a:xfrm>
+            <a:off x="2190275" y="1973095"/>
+            <a:ext cx="8105555" cy="7805350"/>
+          </a:xfrm>
+          <a:prstGeom prst="rect">
+            <a:avLst/>
+          </a:prstGeom>
+        </p:spPr>
+      </p:pic>
+    </p:spTree>
+    <p:extLst>
+      <p:ext uri="{BB962C8B-B14F-4D97-AF65-F5344CB8AC3E}">
+        <p14:creationId xmlns:p14="http://schemas.microsoft.com/office/powerpoint/2010/main" val="4283518697"/>
+      </p:ext>
+    </p:extLst>
+  </p:cSld>
+  <p:clrMapOvr>
+    <a:masterClrMapping/>
+  </p:clrMapOvr>
+  <p:timing>
+    <p:tnLst>
+      <p:par>
+        <p:cTn id="1" dur="indefinite" restart="never" nodeType="tmRoot"/>
+      </p:par>
+    </p:tnLst>
+  </p:timing>
+</p:sld>
+</file>
+
+<file path=ppt/slides/slide19.xml><?xml version="1.0" encoding="utf-8"?>
 <p:sld xmlns:a="http://schemas.openxmlformats.org/drawingml/2006/main" xmlns:r="http://schemas.openxmlformats.org/officeDocument/2006/relationships" xmlns:p="http://schemas.openxmlformats.org/presentationml/2006/main">
   <p:cSld>
     <p:spTree>
@@ -4259,7 +4880,7 @@
         </p:nvSpPr>
         <p:spPr>
           <a:xfrm>
-            <a:off x="4192172" y="1086829"/>
+            <a:off x="4178104" y="1129032"/>
             <a:ext cx="3383555" cy="923330"/>
           </a:xfrm>
           <a:prstGeom prst="rect">
@@ -4284,371 +4905,6 @@
     <p:extLst>
       <p:ext uri="{BB962C8B-B14F-4D97-AF65-F5344CB8AC3E}">
         <p14:creationId xmlns:p14="http://schemas.microsoft.com/office/powerpoint/2010/main" val="264115481"/>
-      </p:ext>
-    </p:extLst>
-  </p:cSld>
-  <p:clrMapOvr>
-    <a:masterClrMapping/>
-  </p:clrMapOvr>
-  <p:timing>
-    <p:tnLst>
-      <p:par>
-        <p:cTn id="1" dur="indefinite" restart="never" nodeType="tmRoot"/>
-      </p:par>
-    </p:tnLst>
-  </p:timing>
-</p:sld>
-</file>
-
-<file path=ppt/slides/slide16.xml><?xml version="1.0" encoding="utf-8"?>
-<p:sld xmlns:a="http://schemas.openxmlformats.org/drawingml/2006/main" xmlns:r="http://schemas.openxmlformats.org/officeDocument/2006/relationships" xmlns:p="http://schemas.openxmlformats.org/presentationml/2006/main">
-  <p:cSld>
-    <p:spTree>
-      <p:nvGrpSpPr>
-        <p:cNvPr id="1" name=""/>
-        <p:cNvGrpSpPr/>
-        <p:nvPr/>
-      </p:nvGrpSpPr>
-      <p:grpSpPr>
-        <a:xfrm>
-          <a:off x="0" y="0"/>
-          <a:ext cx="0" cy="0"/>
-          <a:chOff x="0" y="0"/>
-          <a:chExt cx="0" cy="0"/>
-        </a:xfrm>
-      </p:grpSpPr>
-      <p:sp>
-        <p:nvSpPr>
-          <p:cNvPr id="5" name="Rectangle 4"/>
-          <p:cNvSpPr/>
-          <p:nvPr/>
-        </p:nvSpPr>
-        <p:spPr>
-          <a:xfrm>
-            <a:off x="576776" y="1255642"/>
-            <a:ext cx="11199476" cy="923330"/>
-          </a:xfrm>
-          <a:prstGeom prst="rect">
-            <a:avLst/>
-          </a:prstGeom>
-        </p:spPr>
-        <p:txBody>
-          <a:bodyPr wrap="none">
-            <a:spAutoFit/>
-          </a:bodyPr>
-          <a:lstStyle/>
-          <a:p>
-            <a:r>
-              <a:rPr lang="pt-BR" sz="5400" dirty="0"/>
-              <a:t>Selecionar ordem de </a:t>
-            </a:r>
-            <a:r>
-              <a:rPr lang="pt-BR" sz="5400" dirty="0" smtClean="0"/>
-              <a:t>serviço </a:t>
-            </a:r>
-            <a:r>
-              <a:rPr lang="pt-BR" sz="5400" dirty="0"/>
-              <a:t>por região</a:t>
-            </a:r>
-          </a:p>
-        </p:txBody>
-      </p:sp>
-      <p:pic>
-        <p:nvPicPr>
-          <p:cNvPr id="3" name="Picture 2"/>
-          <p:cNvPicPr>
-            <a:picLocks noChangeAspect="1"/>
-          </p:cNvPicPr>
-          <p:nvPr/>
-        </p:nvPicPr>
-        <p:blipFill>
-          <a:blip r:embed="rId2">
-            <a:extLst>
-              <a:ext uri="{28A0092B-C50C-407E-A947-70E740481C1C}">
-                <a14:useLocalDpi xmlns:a14="http://schemas.microsoft.com/office/drawing/2010/main" val="0"/>
-              </a:ext>
-            </a:extLst>
-          </a:blip>
-          <a:stretch>
-            <a:fillRect/>
-          </a:stretch>
-        </p:blipFill>
-        <p:spPr>
-          <a:xfrm>
-            <a:off x="-1097281" y="2895176"/>
-            <a:ext cx="14817920" cy="6431704"/>
-          </a:xfrm>
-          <a:prstGeom prst="rect">
-            <a:avLst/>
-          </a:prstGeom>
-        </p:spPr>
-      </p:pic>
-    </p:spTree>
-    <p:extLst>
-      <p:ext uri="{BB962C8B-B14F-4D97-AF65-F5344CB8AC3E}">
-        <p14:creationId xmlns:p14="http://schemas.microsoft.com/office/powerpoint/2010/main" val="4141063030"/>
-      </p:ext>
-    </p:extLst>
-  </p:cSld>
-  <p:clrMapOvr>
-    <a:masterClrMapping/>
-  </p:clrMapOvr>
-  <p:timing>
-    <p:tnLst>
-      <p:par>
-        <p:cTn id="1" dur="indefinite" restart="never" nodeType="tmRoot"/>
-      </p:par>
-    </p:tnLst>
-  </p:timing>
-</p:sld>
-</file>
-
-<file path=ppt/slides/slide17.xml><?xml version="1.0" encoding="utf-8"?>
-<p:sld xmlns:a="http://schemas.openxmlformats.org/drawingml/2006/main" xmlns:r="http://schemas.openxmlformats.org/officeDocument/2006/relationships" xmlns:p="http://schemas.openxmlformats.org/presentationml/2006/main">
-  <p:cSld>
-    <p:spTree>
-      <p:nvGrpSpPr>
-        <p:cNvPr id="1" name=""/>
-        <p:cNvGrpSpPr/>
-        <p:nvPr/>
-      </p:nvGrpSpPr>
-      <p:grpSpPr>
-        <a:xfrm>
-          <a:off x="0" y="0"/>
-          <a:ext cx="0" cy="0"/>
-          <a:chOff x="0" y="0"/>
-          <a:chExt cx="0" cy="0"/>
-        </a:xfrm>
-      </p:grpSpPr>
-      <p:sp>
-        <p:nvSpPr>
-          <p:cNvPr id="5" name="Rectangle 4"/>
-          <p:cNvSpPr/>
-          <p:nvPr/>
-        </p:nvSpPr>
-        <p:spPr>
-          <a:xfrm>
-            <a:off x="844062" y="979427"/>
-            <a:ext cx="10713574" cy="923330"/>
-          </a:xfrm>
-          <a:prstGeom prst="rect">
-            <a:avLst/>
-          </a:prstGeom>
-        </p:spPr>
-        <p:txBody>
-          <a:bodyPr wrap="none">
-            <a:spAutoFit/>
-          </a:bodyPr>
-          <a:lstStyle/>
-          <a:p>
-            <a:r>
-              <a:rPr lang="pt-BR" sz="5400" dirty="0"/>
-              <a:t>Visualizar </a:t>
-            </a:r>
-            <a:r>
-              <a:rPr lang="pt-BR" sz="5400" dirty="0" smtClean="0"/>
-              <a:t>disponibilidade do </a:t>
-            </a:r>
-            <a:r>
-              <a:rPr lang="pt-BR" sz="5400" dirty="0"/>
-              <a:t>motoboy</a:t>
-            </a:r>
-            <a:endParaRPr lang="pt-BR" sz="5400" dirty="0"/>
-          </a:p>
-        </p:txBody>
-      </p:sp>
-      <p:pic>
-        <p:nvPicPr>
-          <p:cNvPr id="2" name="Picture 1"/>
-          <p:cNvPicPr>
-            <a:picLocks noChangeAspect="1"/>
-          </p:cNvPicPr>
-          <p:nvPr/>
-        </p:nvPicPr>
-        <p:blipFill>
-          <a:blip r:embed="rId2">
-            <a:extLst>
-              <a:ext uri="{28A0092B-C50C-407E-A947-70E740481C1C}">
-                <a14:useLocalDpi xmlns:a14="http://schemas.microsoft.com/office/drawing/2010/main" val="0"/>
-              </a:ext>
-            </a:extLst>
-          </a:blip>
-          <a:stretch>
-            <a:fillRect/>
-          </a:stretch>
-        </p:blipFill>
-        <p:spPr>
-          <a:xfrm>
-            <a:off x="1530815" y="2099705"/>
-            <a:ext cx="8105555" cy="7805350"/>
-          </a:xfrm>
-          <a:prstGeom prst="rect">
-            <a:avLst/>
-          </a:prstGeom>
-        </p:spPr>
-      </p:pic>
-    </p:spTree>
-    <p:extLst>
-      <p:ext uri="{BB962C8B-B14F-4D97-AF65-F5344CB8AC3E}">
-        <p14:creationId xmlns:p14="http://schemas.microsoft.com/office/powerpoint/2010/main" val="4283518697"/>
-      </p:ext>
-    </p:extLst>
-  </p:cSld>
-  <p:clrMapOvr>
-    <a:masterClrMapping/>
-  </p:clrMapOvr>
-  <p:timing>
-    <p:tnLst>
-      <p:par>
-        <p:cTn id="1" dur="indefinite" restart="never" nodeType="tmRoot"/>
-      </p:par>
-    </p:tnLst>
-  </p:timing>
-</p:sld>
-</file>
-
-<file path=ppt/slides/slide18.xml><?xml version="1.0" encoding="utf-8"?>
-<p:sld xmlns:a="http://schemas.openxmlformats.org/drawingml/2006/main" xmlns:r="http://schemas.openxmlformats.org/officeDocument/2006/relationships" xmlns:p="http://schemas.openxmlformats.org/presentationml/2006/main">
-  <p:cSld>
-    <p:spTree>
-      <p:nvGrpSpPr>
-        <p:cNvPr id="1" name=""/>
-        <p:cNvGrpSpPr/>
-        <p:nvPr/>
-      </p:nvGrpSpPr>
-      <p:grpSpPr>
-        <a:xfrm>
-          <a:off x="0" y="0"/>
-          <a:ext cx="0" cy="0"/>
-          <a:chOff x="0" y="0"/>
-          <a:chExt cx="0" cy="0"/>
-        </a:xfrm>
-      </p:grpSpPr>
-      <p:sp>
-        <p:nvSpPr>
-          <p:cNvPr id="2" name="Title 1"/>
-          <p:cNvSpPr>
-            <a:spLocks noGrp="1"/>
-          </p:cNvSpPr>
-          <p:nvPr>
-            <p:ph type="ctrTitle"/>
-          </p:nvPr>
-        </p:nvSpPr>
-        <p:spPr>
-          <a:xfrm>
-            <a:off x="603504" y="661770"/>
-            <a:ext cx="11588496" cy="3352800"/>
-          </a:xfrm>
-        </p:spPr>
-        <p:txBody>
-          <a:bodyPr/>
-          <a:lstStyle/>
-          <a:p>
-            <a:r>
-              <a:rPr lang="pt-BR" dirty="0" smtClean="0"/>
-              <a:t>Diagrama de implantação e implementação</a:t>
-            </a:r>
-            <a:endParaRPr lang="pt-BR" dirty="0"/>
-          </a:p>
-        </p:txBody>
-      </p:sp>
-      <p:sp>
-        <p:nvSpPr>
-          <p:cNvPr id="3" name="Subtitle 2"/>
-          <p:cNvSpPr>
-            <a:spLocks noGrp="1"/>
-          </p:cNvSpPr>
-          <p:nvPr>
-            <p:ph type="subTitle" idx="1"/>
-          </p:nvPr>
-        </p:nvSpPr>
-        <p:spPr>
-          <a:xfrm>
-            <a:off x="603504" y="4192890"/>
-            <a:ext cx="9228201" cy="1645920"/>
-          </a:xfrm>
-        </p:spPr>
-        <p:txBody>
-          <a:bodyPr>
-            <a:normAutofit/>
-          </a:bodyPr>
-          <a:lstStyle/>
-          <a:p>
-            <a:endParaRPr lang="pt-BR" dirty="0"/>
-          </a:p>
-        </p:txBody>
-      </p:sp>
-    </p:spTree>
-    <p:extLst>
-      <p:ext uri="{BB962C8B-B14F-4D97-AF65-F5344CB8AC3E}">
-        <p14:creationId xmlns:p14="http://schemas.microsoft.com/office/powerpoint/2010/main" val="1607166422"/>
-      </p:ext>
-    </p:extLst>
-  </p:cSld>
-  <p:clrMapOvr>
-    <a:masterClrMapping/>
-  </p:clrMapOvr>
-  <p:timing>
-    <p:tnLst>
-      <p:par>
-        <p:cTn id="1" dur="indefinite" restart="never" nodeType="tmRoot"/>
-      </p:par>
-    </p:tnLst>
-  </p:timing>
-</p:sld>
-</file>
-
-<file path=ppt/slides/slide19.xml><?xml version="1.0" encoding="utf-8"?>
-<p:sld xmlns:a="http://schemas.openxmlformats.org/drawingml/2006/main" xmlns:r="http://schemas.openxmlformats.org/officeDocument/2006/relationships" xmlns:p="http://schemas.openxmlformats.org/presentationml/2006/main">
-  <p:cSld>
-    <p:spTree>
-      <p:nvGrpSpPr>
-        <p:cNvPr id="1" name=""/>
-        <p:cNvGrpSpPr/>
-        <p:nvPr/>
-      </p:nvGrpSpPr>
-      <p:grpSpPr>
-        <a:xfrm>
-          <a:off x="0" y="0"/>
-          <a:ext cx="0" cy="0"/>
-          <a:chOff x="0" y="0"/>
-          <a:chExt cx="0" cy="0"/>
-        </a:xfrm>
-      </p:grpSpPr>
-      <p:pic>
-        <p:nvPicPr>
-          <p:cNvPr id="3" name="Picture 2"/>
-          <p:cNvPicPr>
-            <a:picLocks noChangeAspect="1"/>
-          </p:cNvPicPr>
-          <p:nvPr/>
-        </p:nvPicPr>
-        <p:blipFill>
-          <a:blip r:embed="rId2">
-            <a:extLst>
-              <a:ext uri="{28A0092B-C50C-407E-A947-70E740481C1C}">
-                <a14:useLocalDpi xmlns:a14="http://schemas.microsoft.com/office/drawing/2010/main" val="0"/>
-              </a:ext>
-            </a:extLst>
-          </a:blip>
-          <a:stretch>
-            <a:fillRect/>
-          </a:stretch>
-        </p:blipFill>
-        <p:spPr>
-          <a:xfrm>
-            <a:off x="-4576572" y="-908213"/>
-            <a:ext cx="21414761" cy="12148299"/>
-          </a:xfrm>
-          <a:prstGeom prst="rect">
-            <a:avLst/>
-          </a:prstGeom>
-        </p:spPr>
-      </p:pic>
-    </p:spTree>
-    <p:extLst>
-      <p:ext uri="{BB962C8B-B14F-4D97-AF65-F5344CB8AC3E}">
-        <p14:creationId xmlns:p14="http://schemas.microsoft.com/office/powerpoint/2010/main" val="1165804747"/>
       </p:ext>
     </p:extLst>
   </p:cSld>
@@ -4795,6 +5051,164 @@
           <a:p>
             <a:r>
               <a:rPr lang="pt-BR" dirty="0" smtClean="0"/>
+              <a:t>Diagrama de implantação e implementação</a:t>
+            </a:r>
+            <a:endParaRPr lang="pt-BR" dirty="0"/>
+          </a:p>
+        </p:txBody>
+      </p:sp>
+      <p:sp>
+        <p:nvSpPr>
+          <p:cNvPr id="3" name="Subtitle 2"/>
+          <p:cNvSpPr>
+            <a:spLocks noGrp="1"/>
+          </p:cNvSpPr>
+          <p:nvPr>
+            <p:ph type="subTitle" idx="1"/>
+          </p:nvPr>
+        </p:nvSpPr>
+        <p:spPr>
+          <a:xfrm>
+            <a:off x="603504" y="4192890"/>
+            <a:ext cx="9228201" cy="1645920"/>
+          </a:xfrm>
+        </p:spPr>
+        <p:txBody>
+          <a:bodyPr>
+            <a:normAutofit/>
+          </a:bodyPr>
+          <a:lstStyle/>
+          <a:p>
+            <a:endParaRPr lang="pt-BR" dirty="0"/>
+          </a:p>
+        </p:txBody>
+      </p:sp>
+    </p:spTree>
+    <p:extLst>
+      <p:ext uri="{BB962C8B-B14F-4D97-AF65-F5344CB8AC3E}">
+        <p14:creationId xmlns:p14="http://schemas.microsoft.com/office/powerpoint/2010/main" val="1607166422"/>
+      </p:ext>
+    </p:extLst>
+  </p:cSld>
+  <p:clrMapOvr>
+    <a:masterClrMapping/>
+  </p:clrMapOvr>
+  <p:timing>
+    <p:tnLst>
+      <p:par>
+        <p:cTn id="1" dur="indefinite" restart="never" nodeType="tmRoot"/>
+      </p:par>
+    </p:tnLst>
+  </p:timing>
+</p:sld>
+</file>
+
+<file path=ppt/slides/slide21.xml><?xml version="1.0" encoding="utf-8"?>
+<p:sld xmlns:a="http://schemas.openxmlformats.org/drawingml/2006/main" xmlns:r="http://schemas.openxmlformats.org/officeDocument/2006/relationships" xmlns:p="http://schemas.openxmlformats.org/presentationml/2006/main">
+  <p:cSld>
+    <p:spTree>
+      <p:nvGrpSpPr>
+        <p:cNvPr id="1" name=""/>
+        <p:cNvGrpSpPr/>
+        <p:nvPr/>
+      </p:nvGrpSpPr>
+      <p:grpSpPr>
+        <a:xfrm>
+          <a:off x="0" y="0"/>
+          <a:ext cx="0" cy="0"/>
+          <a:chOff x="0" y="0"/>
+          <a:chExt cx="0" cy="0"/>
+        </a:xfrm>
+      </p:grpSpPr>
+      <p:pic>
+        <p:nvPicPr>
+          <p:cNvPr id="3" name="Picture 2"/>
+          <p:cNvPicPr>
+            <a:picLocks noChangeAspect="1"/>
+          </p:cNvPicPr>
+          <p:nvPr/>
+        </p:nvPicPr>
+        <p:blipFill>
+          <a:blip r:embed="rId2">
+            <a:extLst>
+              <a:ext uri="{28A0092B-C50C-407E-A947-70E740481C1C}">
+                <a14:useLocalDpi xmlns:a14="http://schemas.microsoft.com/office/drawing/2010/main" val="0"/>
+              </a:ext>
+            </a:extLst>
+          </a:blip>
+          <a:stretch>
+            <a:fillRect/>
+          </a:stretch>
+        </p:blipFill>
+        <p:spPr>
+          <a:xfrm>
+            <a:off x="-4576572" y="-908213"/>
+            <a:ext cx="21414761" cy="12148299"/>
+          </a:xfrm>
+          <a:prstGeom prst="rect">
+            <a:avLst/>
+          </a:prstGeom>
+        </p:spPr>
+      </p:pic>
+    </p:spTree>
+    <p:extLst>
+      <p:ext uri="{BB962C8B-B14F-4D97-AF65-F5344CB8AC3E}">
+        <p14:creationId xmlns:p14="http://schemas.microsoft.com/office/powerpoint/2010/main" val="1165804747"/>
+      </p:ext>
+    </p:extLst>
+  </p:cSld>
+  <p:clrMapOvr>
+    <a:masterClrMapping/>
+  </p:clrMapOvr>
+  <p:timing>
+    <p:tnLst>
+      <p:par>
+        <p:cTn id="1" dur="indefinite" restart="never" nodeType="tmRoot"/>
+      </p:par>
+    </p:tnLst>
+  </p:timing>
+</p:sld>
+</file>
+
+<file path=ppt/slides/slide22.xml><?xml version="1.0" encoding="utf-8"?>
+<p:sld xmlns:a="http://schemas.openxmlformats.org/drawingml/2006/main" xmlns:r="http://schemas.openxmlformats.org/officeDocument/2006/relationships" xmlns:p="http://schemas.openxmlformats.org/presentationml/2006/main">
+  <p:cSld>
+    <p:spTree>
+      <p:nvGrpSpPr>
+        <p:cNvPr id="1" name=""/>
+        <p:cNvGrpSpPr/>
+        <p:nvPr/>
+      </p:nvGrpSpPr>
+      <p:grpSpPr>
+        <a:xfrm>
+          <a:off x="0" y="0"/>
+          <a:ext cx="0" cy="0"/>
+          <a:chOff x="0" y="0"/>
+          <a:chExt cx="0" cy="0"/>
+        </a:xfrm>
+      </p:grpSpPr>
+      <p:sp>
+        <p:nvSpPr>
+          <p:cNvPr id="2" name="Title 1"/>
+          <p:cNvSpPr>
+            <a:spLocks noGrp="1"/>
+          </p:cNvSpPr>
+          <p:nvPr>
+            <p:ph type="ctrTitle"/>
+          </p:nvPr>
+        </p:nvSpPr>
+        <p:spPr>
+          <a:xfrm>
+            <a:off x="603504" y="661770"/>
+            <a:ext cx="11588496" cy="3352800"/>
+          </a:xfrm>
+        </p:spPr>
+        <p:txBody>
+          <a:bodyPr/>
+          <a:lstStyle/>
+          <a:p>
+            <a:r>
+              <a:rPr lang="pt-BR" dirty="0" smtClean="0"/>
               <a:t>Diagrama de pacote</a:t>
             </a:r>
             <a:endParaRPr lang="pt-BR" dirty="0"/>
@@ -4847,7 +5261,7 @@
 </p:sld>
 </file>
 
-<file path=ppt/slides/slide21.xml><?xml version="1.0" encoding="utf-8"?>
+<file path=ppt/slides/slide23.xml><?xml version="1.0" encoding="utf-8"?>
 <p:sld xmlns:a="http://schemas.openxmlformats.org/drawingml/2006/main" xmlns:r="http://schemas.openxmlformats.org/officeDocument/2006/relationships" xmlns:p="http://schemas.openxmlformats.org/presentationml/2006/main">
   <p:cSld>
     <p:spTree>
@@ -4914,6 +5328,348 @@
 </p:sld>
 </file>
 
+<file path=ppt/slides/slide24.xml><?xml version="1.0" encoding="utf-8"?>
+<p:sld xmlns:a="http://schemas.openxmlformats.org/drawingml/2006/main" xmlns:r="http://schemas.openxmlformats.org/officeDocument/2006/relationships" xmlns:p="http://schemas.openxmlformats.org/presentationml/2006/main">
+  <p:cSld>
+    <p:spTree>
+      <p:nvGrpSpPr>
+        <p:cNvPr id="1" name=""/>
+        <p:cNvGrpSpPr/>
+        <p:nvPr/>
+      </p:nvGrpSpPr>
+      <p:grpSpPr>
+        <a:xfrm>
+          <a:off x="0" y="0"/>
+          <a:ext cx="0" cy="0"/>
+          <a:chOff x="0" y="0"/>
+          <a:chExt cx="0" cy="0"/>
+        </a:xfrm>
+      </p:grpSpPr>
+      <p:sp>
+        <p:nvSpPr>
+          <p:cNvPr id="2" name="Title 1"/>
+          <p:cNvSpPr>
+            <a:spLocks noGrp="1"/>
+          </p:cNvSpPr>
+          <p:nvPr>
+            <p:ph type="ctrTitle"/>
+          </p:nvPr>
+        </p:nvSpPr>
+        <p:spPr>
+          <a:xfrm>
+            <a:off x="603504" y="661770"/>
+            <a:ext cx="11588496" cy="3352800"/>
+          </a:xfrm>
+        </p:spPr>
+        <p:txBody>
+          <a:bodyPr/>
+          <a:lstStyle/>
+          <a:p>
+            <a:r>
+              <a:rPr lang="pt-BR" dirty="0" smtClean="0"/>
+              <a:t>Diagrama de transição de estado</a:t>
+            </a:r>
+            <a:endParaRPr lang="pt-BR" dirty="0"/>
+          </a:p>
+        </p:txBody>
+      </p:sp>
+      <p:sp>
+        <p:nvSpPr>
+          <p:cNvPr id="3" name="Subtitle 2"/>
+          <p:cNvSpPr>
+            <a:spLocks noGrp="1"/>
+          </p:cNvSpPr>
+          <p:nvPr>
+            <p:ph type="subTitle" idx="1"/>
+          </p:nvPr>
+        </p:nvSpPr>
+        <p:spPr>
+          <a:xfrm>
+            <a:off x="603504" y="4192890"/>
+            <a:ext cx="9228201" cy="1645920"/>
+          </a:xfrm>
+        </p:spPr>
+        <p:txBody>
+          <a:bodyPr>
+            <a:normAutofit/>
+          </a:bodyPr>
+          <a:lstStyle/>
+          <a:p>
+            <a:endParaRPr lang="pt-BR" dirty="0"/>
+          </a:p>
+        </p:txBody>
+      </p:sp>
+    </p:spTree>
+    <p:extLst>
+      <p:ext uri="{BB962C8B-B14F-4D97-AF65-F5344CB8AC3E}">
+        <p14:creationId xmlns:p14="http://schemas.microsoft.com/office/powerpoint/2010/main" val="2820856190"/>
+      </p:ext>
+    </p:extLst>
+  </p:cSld>
+  <p:clrMapOvr>
+    <a:masterClrMapping/>
+  </p:clrMapOvr>
+  <p:timing>
+    <p:tnLst>
+      <p:par>
+        <p:cTn id="1" dur="indefinite" restart="never" nodeType="tmRoot"/>
+      </p:par>
+    </p:tnLst>
+  </p:timing>
+</p:sld>
+</file>
+
+<file path=ppt/slides/slide25.xml><?xml version="1.0" encoding="utf-8"?>
+<p:sld xmlns:a="http://schemas.openxmlformats.org/drawingml/2006/main" xmlns:r="http://schemas.openxmlformats.org/officeDocument/2006/relationships" xmlns:p="http://schemas.openxmlformats.org/presentationml/2006/main">
+  <p:cSld>
+    <p:spTree>
+      <p:nvGrpSpPr>
+        <p:cNvPr id="1" name=""/>
+        <p:cNvGrpSpPr/>
+        <p:nvPr/>
+      </p:nvGrpSpPr>
+      <p:grpSpPr>
+        <a:xfrm>
+          <a:off x="0" y="0"/>
+          <a:ext cx="0" cy="0"/>
+          <a:chOff x="0" y="0"/>
+          <a:chExt cx="0" cy="0"/>
+        </a:xfrm>
+      </p:grpSpPr>
+      <p:pic>
+        <p:nvPicPr>
+          <p:cNvPr id="3" name="Picture 2"/>
+          <p:cNvPicPr>
+            <a:picLocks noChangeAspect="1"/>
+          </p:cNvPicPr>
+          <p:nvPr/>
+        </p:nvPicPr>
+        <p:blipFill>
+          <a:blip r:embed="rId2">
+            <a:extLst>
+              <a:ext uri="{28A0092B-C50C-407E-A947-70E740481C1C}">
+                <a14:useLocalDpi xmlns:a14="http://schemas.microsoft.com/office/drawing/2010/main" val="0"/>
+              </a:ext>
+            </a:extLst>
+          </a:blip>
+          <a:stretch>
+            <a:fillRect/>
+          </a:stretch>
+        </p:blipFill>
+        <p:spPr>
+          <a:xfrm>
+            <a:off x="-166254" y="290946"/>
+            <a:ext cx="12714529" cy="9767453"/>
+          </a:xfrm>
+          <a:prstGeom prst="rect">
+            <a:avLst/>
+          </a:prstGeom>
+        </p:spPr>
+      </p:pic>
+    </p:spTree>
+    <p:extLst>
+      <p:ext uri="{BB962C8B-B14F-4D97-AF65-F5344CB8AC3E}">
+        <p14:creationId xmlns:p14="http://schemas.microsoft.com/office/powerpoint/2010/main" val="4173918594"/>
+      </p:ext>
+    </p:extLst>
+  </p:cSld>
+  <p:clrMapOvr>
+    <a:masterClrMapping/>
+  </p:clrMapOvr>
+  <p:timing>
+    <p:tnLst>
+      <p:par>
+        <p:cTn id="1" dur="indefinite" restart="never" nodeType="tmRoot"/>
+      </p:par>
+    </p:tnLst>
+  </p:timing>
+</p:sld>
+</file>
+
+<file path=ppt/slides/slide26.xml><?xml version="1.0" encoding="utf-8"?>
+<p:sld xmlns:a="http://schemas.openxmlformats.org/drawingml/2006/main" xmlns:r="http://schemas.openxmlformats.org/officeDocument/2006/relationships" xmlns:p="http://schemas.openxmlformats.org/presentationml/2006/main">
+  <p:cSld>
+    <p:spTree>
+      <p:nvGrpSpPr>
+        <p:cNvPr id="1" name=""/>
+        <p:cNvGrpSpPr/>
+        <p:nvPr/>
+      </p:nvGrpSpPr>
+      <p:grpSpPr>
+        <a:xfrm>
+          <a:off x="0" y="0"/>
+          <a:ext cx="0" cy="0"/>
+          <a:chOff x="0" y="0"/>
+          <a:chExt cx="0" cy="0"/>
+        </a:xfrm>
+      </p:grpSpPr>
+      <p:sp>
+        <p:nvSpPr>
+          <p:cNvPr id="2" name="Title 1"/>
+          <p:cNvSpPr>
+            <a:spLocks noGrp="1"/>
+          </p:cNvSpPr>
+          <p:nvPr>
+            <p:ph type="ctrTitle"/>
+          </p:nvPr>
+        </p:nvSpPr>
+        <p:spPr>
+          <a:xfrm>
+            <a:off x="603504" y="661770"/>
+            <a:ext cx="11588496" cy="3352800"/>
+          </a:xfrm>
+        </p:spPr>
+        <p:txBody>
+          <a:bodyPr/>
+          <a:lstStyle/>
+          <a:p>
+            <a:r>
+              <a:rPr lang="pt-BR" dirty="0" smtClean="0"/>
+              <a:t>Diagrama de entidade e relacionamento</a:t>
+            </a:r>
+            <a:endParaRPr lang="pt-BR" dirty="0"/>
+          </a:p>
+        </p:txBody>
+      </p:sp>
+      <p:sp>
+        <p:nvSpPr>
+          <p:cNvPr id="3" name="Subtitle 2"/>
+          <p:cNvSpPr>
+            <a:spLocks noGrp="1"/>
+          </p:cNvSpPr>
+          <p:nvPr>
+            <p:ph type="subTitle" idx="1"/>
+          </p:nvPr>
+        </p:nvSpPr>
+        <p:spPr>
+          <a:xfrm>
+            <a:off x="603504" y="4192890"/>
+            <a:ext cx="9228201" cy="1645920"/>
+          </a:xfrm>
+        </p:spPr>
+        <p:txBody>
+          <a:bodyPr>
+            <a:normAutofit/>
+          </a:bodyPr>
+          <a:lstStyle/>
+          <a:p>
+            <a:endParaRPr lang="pt-BR" dirty="0"/>
+          </a:p>
+        </p:txBody>
+      </p:sp>
+    </p:spTree>
+    <p:extLst>
+      <p:ext uri="{BB962C8B-B14F-4D97-AF65-F5344CB8AC3E}">
+        <p14:creationId xmlns:p14="http://schemas.microsoft.com/office/powerpoint/2010/main" val="1463344987"/>
+      </p:ext>
+    </p:extLst>
+  </p:cSld>
+  <p:clrMapOvr>
+    <a:masterClrMapping/>
+  </p:clrMapOvr>
+  <p:timing>
+    <p:tnLst>
+      <p:par>
+        <p:cTn id="1" dur="indefinite" restart="never" nodeType="tmRoot"/>
+      </p:par>
+    </p:tnLst>
+  </p:timing>
+</p:sld>
+</file>
+
+<file path=ppt/slides/slide27.xml><?xml version="1.0" encoding="utf-8"?>
+<p:sld xmlns:a="http://schemas.openxmlformats.org/drawingml/2006/main" xmlns:r="http://schemas.openxmlformats.org/officeDocument/2006/relationships" xmlns:p="http://schemas.openxmlformats.org/presentationml/2006/main">
+  <p:cSld>
+    <p:spTree>
+      <p:nvGrpSpPr>
+        <p:cNvPr id="1" name=""/>
+        <p:cNvGrpSpPr/>
+        <p:nvPr/>
+      </p:nvGrpSpPr>
+      <p:grpSpPr>
+        <a:xfrm>
+          <a:off x="0" y="0"/>
+          <a:ext cx="0" cy="0"/>
+          <a:chOff x="0" y="0"/>
+          <a:chExt cx="0" cy="0"/>
+        </a:xfrm>
+      </p:grpSpPr>
+      <p:pic>
+        <p:nvPicPr>
+          <p:cNvPr id="2" name="Picture 1"/>
+          <p:cNvPicPr>
+            <a:picLocks noChangeAspect="1"/>
+          </p:cNvPicPr>
+          <p:nvPr/>
+        </p:nvPicPr>
+        <p:blipFill>
+          <a:blip r:embed="rId2">
+            <a:extLst>
+              <a:ext uri="{28A0092B-C50C-407E-A947-70E740481C1C}">
+                <a14:useLocalDpi xmlns:a14="http://schemas.microsoft.com/office/drawing/2010/main" val="0"/>
+              </a:ext>
+            </a:extLst>
+          </a:blip>
+          <a:stretch>
+            <a:fillRect/>
+          </a:stretch>
+        </p:blipFill>
+        <p:spPr>
+          <a:xfrm>
+            <a:off x="983673" y="492116"/>
+            <a:ext cx="10210800" cy="5798726"/>
+          </a:xfrm>
+          <a:prstGeom prst="roundRect">
+            <a:avLst>
+              <a:gd name="adj" fmla="val 4167"/>
+            </a:avLst>
+          </a:prstGeom>
+          <a:solidFill>
+            <a:srgbClr val="FFFFFF"/>
+          </a:solidFill>
+          <a:ln w="76200" cap="sq">
+            <a:solidFill>
+              <a:srgbClr val="EAEAEA"/>
+            </a:solidFill>
+            <a:miter lim="800000"/>
+          </a:ln>
+          <a:effectLst>
+            <a:reflection blurRad="12700" stA="33000" endPos="28000" dist="5000" dir="5400000" sy="-100000" algn="bl" rotWithShape="0"/>
+          </a:effectLst>
+          <a:scene3d>
+            <a:camera prst="orthographicFront"/>
+            <a:lightRig rig="threePt" dir="t">
+              <a:rot lat="0" lon="0" rev="2700000"/>
+            </a:lightRig>
+          </a:scene3d>
+          <a:sp3d contourW="6350">
+            <a:bevelT h="38100"/>
+            <a:contourClr>
+              <a:srgbClr val="C0C0C0"/>
+            </a:contourClr>
+          </a:sp3d>
+        </p:spPr>
+      </p:pic>
+    </p:spTree>
+    <p:extLst>
+      <p:ext uri="{BB962C8B-B14F-4D97-AF65-F5344CB8AC3E}">
+        <p14:creationId xmlns:p14="http://schemas.microsoft.com/office/powerpoint/2010/main" val="681810444"/>
+      </p:ext>
+    </p:extLst>
+  </p:cSld>
+  <p:clrMapOvr>
+    <a:masterClrMapping/>
+  </p:clrMapOvr>
+  <p:timing>
+    <p:tnLst>
+      <p:par>
+        <p:cTn id="1" dur="indefinite" restart="never" nodeType="tmRoot"/>
+      </p:par>
+    </p:tnLst>
+  </p:timing>
+</p:sld>
+</file>
+
 <file path=ppt/slides/slide3.xml><?xml version="1.0" encoding="utf-8"?>
 <p:sld xmlns:a="http://schemas.openxmlformats.org/drawingml/2006/main" xmlns:r="http://schemas.openxmlformats.org/officeDocument/2006/relationships" xmlns:p="http://schemas.openxmlformats.org/presentationml/2006/main">
   <p:cSld>
@@ -4944,7 +5700,7 @@
         <p:spPr>
           <a:xfrm>
             <a:off x="603504" y="661770"/>
-            <a:ext cx="11588496" cy="3352800"/>
+            <a:ext cx="10782300" cy="3352800"/>
           </a:xfrm>
         </p:spPr>
         <p:txBody>
@@ -4953,7 +5709,7 @@
           <a:p>
             <a:r>
               <a:rPr lang="pt-BR" dirty="0" smtClean="0"/>
-              <a:t>Diagrama de Casos de uso</a:t>
+              <a:t>Ferramentas Utilizadas</a:t>
             </a:r>
             <a:endParaRPr lang="pt-BR" dirty="0"/>
           </a:p>
@@ -4988,7 +5744,7 @@
     </p:spTree>
     <p:extLst>
       <p:ext uri="{BB962C8B-B14F-4D97-AF65-F5344CB8AC3E}">
-        <p14:creationId xmlns:p14="http://schemas.microsoft.com/office/powerpoint/2010/main" val="778300890"/>
+        <p14:creationId xmlns:p14="http://schemas.microsoft.com/office/powerpoint/2010/main" val="3773011841"/>
       </p:ext>
     </p:extLst>
   </p:cSld>
@@ -5024,30 +5780,6 @@
       </p:grpSpPr>
       <p:sp>
         <p:nvSpPr>
-          <p:cNvPr id="2" name="Title 1"/>
-          <p:cNvSpPr>
-            <a:spLocks noGrp="1"/>
-          </p:cNvSpPr>
-          <p:nvPr>
-            <p:ph type="ctrTitle"/>
-          </p:nvPr>
-        </p:nvSpPr>
-        <p:spPr>
-          <a:xfrm>
-            <a:off x="2432304" y="1752600"/>
-            <a:ext cx="11588496" cy="3352800"/>
-          </a:xfrm>
-        </p:spPr>
-        <p:txBody>
-          <a:bodyPr/>
-          <a:lstStyle/>
-          <a:p>
-            <a:endParaRPr lang="pt-BR" dirty="0"/>
-          </a:p>
-        </p:txBody>
-      </p:sp>
-      <p:sp>
-        <p:nvSpPr>
           <p:cNvPr id="3" name="Subtitle 2"/>
           <p:cNvSpPr>
             <a:spLocks noGrp="1"/>
@@ -5058,8 +5790,8 @@
         </p:nvSpPr>
         <p:spPr>
           <a:xfrm>
-            <a:off x="3304501" y="3664268"/>
-            <a:ext cx="9228201" cy="1645920"/>
+            <a:off x="983332" y="1829517"/>
+            <a:ext cx="10467769" cy="5570089"/>
           </a:xfrm>
         </p:spPr>
         <p:txBody>
@@ -5068,66 +5800,73 @@
           </a:bodyPr>
           <a:lstStyle/>
           <a:p>
+            <a:pPr marL="457200" indent="-457200">
+              <a:buFont typeface="Arial" panose="020B0604020202020204" pitchFamily="34" charset="0"/>
+              <a:buChar char="•"/>
+            </a:pPr>
+            <a:r>
+              <a:rPr lang="pt-BR" dirty="0" smtClean="0"/>
+              <a:t>Tortoise SVN (controlador de versões)</a:t>
+            </a:r>
             <a:endParaRPr lang="pt-BR" dirty="0"/>
           </a:p>
-        </p:txBody>
-      </p:sp>
-      <p:pic>
-        <p:nvPicPr>
-          <p:cNvPr id="4" name="Picture 3"/>
-          <p:cNvPicPr>
-            <a:picLocks noChangeAspect="1"/>
-          </p:cNvPicPr>
-          <p:nvPr/>
-        </p:nvPicPr>
-        <p:blipFill>
-          <a:blip r:embed="rId2"/>
-          <a:stretch>
-            <a:fillRect/>
-          </a:stretch>
-        </p:blipFill>
-        <p:spPr>
-          <a:xfrm>
-            <a:off x="7341" y="1137871"/>
-            <a:ext cx="12184659" cy="5720129"/>
-          </a:xfrm>
-          <a:prstGeom prst="rect">
-            <a:avLst/>
-          </a:prstGeom>
-        </p:spPr>
-      </p:pic>
-      <p:sp>
-        <p:nvSpPr>
-          <p:cNvPr id="6" name="Rectangle 5"/>
-          <p:cNvSpPr/>
-          <p:nvPr/>
-        </p:nvSpPr>
-        <p:spPr>
-          <a:xfrm>
-            <a:off x="0" y="-179263"/>
-            <a:ext cx="12013610" cy="1446550"/>
-          </a:xfrm>
-          <a:prstGeom prst="rect">
-            <a:avLst/>
-          </a:prstGeom>
-        </p:spPr>
-        <p:txBody>
-          <a:bodyPr wrap="none">
-            <a:spAutoFit/>
-          </a:bodyPr>
-          <a:lstStyle/>
-          <a:p>
-            <a:r>
-              <a:rPr lang="pt-BR" sz="8800" dirty="0"/>
-              <a:t>Diagrama de Casos de uso</a:t>
-            </a:r>
+          <a:p>
+            <a:pPr marL="457200" indent="-457200">
+              <a:buFont typeface="Arial" panose="020B0604020202020204" pitchFamily="34" charset="0"/>
+              <a:buChar char="•"/>
+            </a:pPr>
+            <a:r>
+              <a:rPr lang="pt-BR" dirty="0" smtClean="0"/>
+              <a:t>ArgoUML (ferramenta case de diagramas)</a:t>
+            </a:r>
+          </a:p>
+          <a:p>
+            <a:pPr marL="457200" indent="-457200">
+              <a:buFont typeface="Arial" panose="020B0604020202020204" pitchFamily="34" charset="0"/>
+              <a:buChar char="•"/>
+            </a:pPr>
+            <a:r>
+              <a:rPr lang="pt-BR" dirty="0" smtClean="0"/>
+              <a:t>MatLab (software de programação)</a:t>
+            </a:r>
+          </a:p>
+          <a:p>
+            <a:pPr marL="457200" indent="-457200">
+              <a:buFont typeface="Arial" panose="020B0604020202020204" pitchFamily="34" charset="0"/>
+              <a:buChar char="•"/>
+            </a:pPr>
+            <a:r>
+              <a:rPr lang="pt-BR" dirty="0" smtClean="0"/>
+              <a:t>Word 2013 (editor de texto)</a:t>
+            </a:r>
+          </a:p>
+          <a:p>
+            <a:pPr marL="457200" indent="-457200">
+              <a:buFont typeface="Arial" panose="020B0604020202020204" pitchFamily="34" charset="0"/>
+              <a:buChar char="•"/>
+            </a:pPr>
+            <a:r>
+              <a:rPr lang="pt-BR" dirty="0" smtClean="0"/>
+              <a:t>MySQL 5.5.32 (SGBD)</a:t>
+            </a:r>
+          </a:p>
+          <a:p>
+            <a:pPr marL="457200" indent="-457200">
+              <a:buFont typeface="Arial" panose="020B0604020202020204" pitchFamily="34" charset="0"/>
+              <a:buChar char="•"/>
+            </a:pPr>
+            <a:r>
+              <a:rPr lang="pt-BR" dirty="0" smtClean="0"/>
+              <a:t>Apache 2.4.4 (Servidor Web)</a:t>
+            </a:r>
+            <a:endParaRPr lang="pt-BR" dirty="0"/>
           </a:p>
         </p:txBody>
       </p:sp>
     </p:spTree>
     <p:extLst>
       <p:ext uri="{BB962C8B-B14F-4D97-AF65-F5344CB8AC3E}">
-        <p14:creationId xmlns:p14="http://schemas.microsoft.com/office/powerpoint/2010/main" val="1436834040"/>
+        <p14:creationId xmlns:p14="http://schemas.microsoft.com/office/powerpoint/2010/main" val="359074473"/>
       </p:ext>
     </p:extLst>
   </p:cSld>
@@ -5173,7 +5912,7 @@
         </p:nvSpPr>
         <p:spPr>
           <a:xfrm>
-            <a:off x="2432304" y="1752600"/>
+            <a:off x="603504" y="661770"/>
             <a:ext cx="11588496" cy="3352800"/>
           </a:xfrm>
         </p:spPr>
@@ -5181,6 +5920,10 @@
           <a:bodyPr/>
           <a:lstStyle/>
           <a:p>
+            <a:r>
+              <a:rPr lang="pt-BR" dirty="0" smtClean="0"/>
+              <a:t>Diagrama de Casos de uso</a:t>
+            </a:r>
             <a:endParaRPr lang="pt-BR" dirty="0"/>
           </a:p>
         </p:txBody>
@@ -5197,7 +5940,7 @@
         </p:nvSpPr>
         <p:spPr>
           <a:xfrm>
-            <a:off x="3304501" y="3664268"/>
+            <a:off x="603504" y="4192890"/>
             <a:ext cx="9228201" cy="1645920"/>
           </a:xfrm>
         </p:spPr>
@@ -5211,62 +5954,10 @@
           </a:p>
         </p:txBody>
       </p:sp>
-      <p:sp>
-        <p:nvSpPr>
-          <p:cNvPr id="6" name="Rectangle 5"/>
-          <p:cNvSpPr/>
-          <p:nvPr/>
-        </p:nvSpPr>
-        <p:spPr>
-          <a:xfrm>
-            <a:off x="0" y="-179263"/>
-            <a:ext cx="12013610" cy="1446550"/>
-          </a:xfrm>
-          <a:prstGeom prst="rect">
-            <a:avLst/>
-          </a:prstGeom>
-        </p:spPr>
-        <p:txBody>
-          <a:bodyPr wrap="none">
-            <a:spAutoFit/>
-          </a:bodyPr>
-          <a:lstStyle/>
-          <a:p>
-            <a:r>
-              <a:rPr lang="pt-BR" sz="8800" dirty="0"/>
-              <a:t>Diagrama de Casos de uso</a:t>
-            </a:r>
-          </a:p>
-        </p:txBody>
-      </p:sp>
-      <p:pic>
-        <p:nvPicPr>
-          <p:cNvPr id="7" name="Picture 6"/>
-          <p:cNvPicPr>
-            <a:picLocks noChangeAspect="1"/>
-          </p:cNvPicPr>
-          <p:nvPr/>
-        </p:nvPicPr>
-        <p:blipFill>
-          <a:blip r:embed="rId2"/>
-          <a:stretch>
-            <a:fillRect/>
-          </a:stretch>
-        </p:blipFill>
-        <p:spPr>
-          <a:xfrm>
-            <a:off x="0" y="1939427"/>
-            <a:ext cx="12192000" cy="3942050"/>
-          </a:xfrm>
-          <a:prstGeom prst="rect">
-            <a:avLst/>
-          </a:prstGeom>
-        </p:spPr>
-      </p:pic>
     </p:spTree>
     <p:extLst>
       <p:ext uri="{BB962C8B-B14F-4D97-AF65-F5344CB8AC3E}">
-        <p14:creationId xmlns:p14="http://schemas.microsoft.com/office/powerpoint/2010/main" val="417377956"/>
+        <p14:creationId xmlns:p14="http://schemas.microsoft.com/office/powerpoint/2010/main" val="778300890"/>
       </p:ext>
     </p:extLst>
   </p:cSld>
@@ -5300,102 +5991,30 @@
           <a:chExt cx="0" cy="0"/>
         </a:xfrm>
       </p:grpSpPr>
-      <p:sp>
-        <p:nvSpPr>
-          <p:cNvPr id="2" name="Title 1"/>
-          <p:cNvSpPr>
-            <a:spLocks noGrp="1"/>
-          </p:cNvSpPr>
-          <p:nvPr>
-            <p:ph type="ctrTitle"/>
-          </p:nvPr>
-        </p:nvSpPr>
-        <p:spPr>
-          <a:xfrm>
-            <a:off x="2432304" y="1752600"/>
-            <a:ext cx="11588496" cy="3352800"/>
-          </a:xfrm>
-        </p:spPr>
-        <p:txBody>
-          <a:bodyPr/>
-          <a:lstStyle/>
-          <a:p>
-            <a:endParaRPr lang="pt-BR" dirty="0"/>
-          </a:p>
-        </p:txBody>
-      </p:sp>
-      <p:sp>
-        <p:nvSpPr>
-          <p:cNvPr id="3" name="Subtitle 2"/>
-          <p:cNvSpPr>
-            <a:spLocks noGrp="1"/>
-          </p:cNvSpPr>
-          <p:nvPr>
-            <p:ph type="subTitle" idx="1"/>
-          </p:nvPr>
-        </p:nvSpPr>
-        <p:spPr>
-          <a:xfrm>
-            <a:off x="3304501" y="3664268"/>
-            <a:ext cx="9228201" cy="1645920"/>
-          </a:xfrm>
-        </p:spPr>
-        <p:txBody>
-          <a:bodyPr>
-            <a:normAutofit/>
-          </a:bodyPr>
-          <a:lstStyle/>
-          <a:p>
-            <a:endParaRPr lang="pt-BR" dirty="0"/>
-          </a:p>
-        </p:txBody>
-      </p:sp>
-      <p:sp>
-        <p:nvSpPr>
-          <p:cNvPr id="6" name="Rectangle 5"/>
-          <p:cNvSpPr/>
-          <p:nvPr/>
-        </p:nvSpPr>
-        <p:spPr>
-          <a:xfrm>
-            <a:off x="0" y="-179263"/>
-            <a:ext cx="12013610" cy="1446550"/>
-          </a:xfrm>
-          <a:prstGeom prst="rect">
-            <a:avLst/>
-          </a:prstGeom>
-        </p:spPr>
-        <p:txBody>
-          <a:bodyPr wrap="none">
-            <a:spAutoFit/>
-          </a:bodyPr>
-          <a:lstStyle/>
-          <a:p>
-            <a:r>
-              <a:rPr lang="pt-BR" sz="8800" dirty="0"/>
-              <a:t>Diagrama de Casos de uso</a:t>
-            </a:r>
-          </a:p>
-        </p:txBody>
-      </p:sp>
       <p:pic>
         <p:nvPicPr>
-          <p:cNvPr id="8" name="Picture 7"/>
+          <p:cNvPr id="3" name="Picture 2"/>
           <p:cNvPicPr>
             <a:picLocks noChangeAspect="1"/>
           </p:cNvPicPr>
           <p:nvPr/>
         </p:nvPicPr>
         <p:blipFill>
-          <a:blip r:embed="rId2"/>
+          <a:blip r:embed="rId2">
+            <a:extLst>
+              <a:ext uri="{28A0092B-C50C-407E-A947-70E740481C1C}">
+                <a14:useLocalDpi xmlns:a14="http://schemas.microsoft.com/office/drawing/2010/main" val="0"/>
+              </a:ext>
+            </a:extLst>
+          </a:blip>
           <a:stretch>
             <a:fillRect/>
           </a:stretch>
         </p:blipFill>
         <p:spPr>
           <a:xfrm>
-            <a:off x="0" y="1267287"/>
-            <a:ext cx="12192000" cy="5613009"/>
+            <a:off x="-12984480" y="-3616255"/>
+            <a:ext cx="27209880" cy="11353485"/>
           </a:xfrm>
           <a:prstGeom prst="rect">
             <a:avLst/>
@@ -5405,7 +6024,7 @@
     </p:spTree>
     <p:extLst>
       <p:ext uri="{BB962C8B-B14F-4D97-AF65-F5344CB8AC3E}">
-        <p14:creationId xmlns:p14="http://schemas.microsoft.com/office/powerpoint/2010/main" val="2401307177"/>
+        <p14:creationId xmlns:p14="http://schemas.microsoft.com/office/powerpoint/2010/main" val="308453946"/>
       </p:ext>
     </p:extLst>
   </p:cSld>
@@ -5439,64 +6058,40 @@
           <a:chExt cx="0" cy="0"/>
         </a:xfrm>
       </p:grpSpPr>
-      <p:sp>
-        <p:nvSpPr>
-          <p:cNvPr id="2" name="Title 1"/>
-          <p:cNvSpPr>
-            <a:spLocks noGrp="1"/>
-          </p:cNvSpPr>
-          <p:nvPr>
-            <p:ph type="ctrTitle"/>
-          </p:nvPr>
-        </p:nvSpPr>
-        <p:spPr>
-          <a:xfrm>
-            <a:off x="603504" y="661770"/>
-            <a:ext cx="11588496" cy="3352800"/>
-          </a:xfrm>
-        </p:spPr>
-        <p:txBody>
-          <a:bodyPr/>
-          <a:lstStyle/>
-          <a:p>
-            <a:r>
-              <a:rPr lang="pt-BR" dirty="0" smtClean="0"/>
-              <a:t>Especificação do Caso de uso “Gerar Saída”</a:t>
-            </a:r>
-            <a:endParaRPr lang="pt-BR" dirty="0"/>
-          </a:p>
-        </p:txBody>
-      </p:sp>
-      <p:sp>
-        <p:nvSpPr>
-          <p:cNvPr id="3" name="Subtitle 2"/>
-          <p:cNvSpPr>
-            <a:spLocks noGrp="1"/>
-          </p:cNvSpPr>
-          <p:nvPr>
-            <p:ph type="subTitle" idx="1"/>
-          </p:nvPr>
-        </p:nvSpPr>
-        <p:spPr>
-          <a:xfrm>
-            <a:off x="603504" y="4192890"/>
-            <a:ext cx="9228201" cy="1645920"/>
-          </a:xfrm>
-        </p:spPr>
-        <p:txBody>
-          <a:bodyPr>
-            <a:normAutofit/>
-          </a:bodyPr>
-          <a:lstStyle/>
-          <a:p>
-            <a:endParaRPr lang="pt-BR" dirty="0"/>
-          </a:p>
-        </p:txBody>
-      </p:sp>
+      <p:pic>
+        <p:nvPicPr>
+          <p:cNvPr id="5" name="Picture 4"/>
+          <p:cNvPicPr>
+            <a:picLocks noChangeAspect="1"/>
+          </p:cNvPicPr>
+          <p:nvPr/>
+        </p:nvPicPr>
+        <p:blipFill>
+          <a:blip r:embed="rId2">
+            <a:extLst>
+              <a:ext uri="{28A0092B-C50C-407E-A947-70E740481C1C}">
+                <a14:useLocalDpi xmlns:a14="http://schemas.microsoft.com/office/drawing/2010/main" val="0"/>
+              </a:ext>
+            </a:extLst>
+          </a:blip>
+          <a:stretch>
+            <a:fillRect/>
+          </a:stretch>
+        </p:blipFill>
+        <p:spPr>
+          <a:xfrm>
+            <a:off x="112541" y="232656"/>
+            <a:ext cx="28042698" cy="11499800"/>
+          </a:xfrm>
+          <a:prstGeom prst="rect">
+            <a:avLst/>
+          </a:prstGeom>
+        </p:spPr>
+      </p:pic>
     </p:spTree>
     <p:extLst>
       <p:ext uri="{BB962C8B-B14F-4D97-AF65-F5344CB8AC3E}">
-        <p14:creationId xmlns:p14="http://schemas.microsoft.com/office/powerpoint/2010/main" val="2386832169"/>
+        <p14:creationId xmlns:p14="http://schemas.microsoft.com/office/powerpoint/2010/main" val="1585834049"/>
       </p:ext>
     </p:extLst>
   </p:cSld>
@@ -5530,133 +6125,40 @@
           <a:chExt cx="0" cy="0"/>
         </a:xfrm>
       </p:grpSpPr>
-      <p:sp>
-        <p:nvSpPr>
-          <p:cNvPr id="3" name="Subtitle 2"/>
-          <p:cNvSpPr>
-            <a:spLocks noGrp="1"/>
-          </p:cNvSpPr>
-          <p:nvPr>
-            <p:ph type="subTitle" idx="1"/>
-          </p:nvPr>
-        </p:nvSpPr>
-        <p:spPr>
-          <a:xfrm>
-            <a:off x="168812" y="1267287"/>
-            <a:ext cx="11844798" cy="5372664"/>
-          </a:xfrm>
-        </p:spPr>
-        <p:txBody>
-          <a:bodyPr>
-            <a:normAutofit fontScale="70000" lnSpcReduction="20000"/>
-          </a:bodyPr>
-          <a:lstStyle/>
-          <a:p>
-            <a:r>
-              <a:rPr lang="pt-BR" b="1" dirty="0"/>
-              <a:t> </a:t>
-            </a:r>
-            <a:endParaRPr lang="pt-BR" dirty="0"/>
-          </a:p>
-          <a:p>
-            <a:r>
-              <a:rPr lang="pt-BR" b="1" dirty="0"/>
-              <a:t>Ator principal:</a:t>
-            </a:r>
-            <a:r>
-              <a:rPr lang="pt-BR" dirty="0"/>
-              <a:t>Atendente.</a:t>
-            </a:r>
-          </a:p>
-          <a:p>
-            <a:r>
-              <a:rPr lang="pt-BR" b="1" dirty="0"/>
-              <a:t>Interessados e interesses:</a:t>
-            </a:r>
-            <a:endParaRPr lang="pt-BR" dirty="0"/>
-          </a:p>
-          <a:p>
-            <a:pPr lvl="0"/>
-            <a:r>
-              <a:rPr lang="pt-BR" b="1" dirty="0"/>
-              <a:t>Atendente: </a:t>
-            </a:r>
-            <a:r>
-              <a:rPr lang="pt-BR" dirty="0"/>
-              <a:t>deseja que a mesma seja feita de forma simples, e rápida. Deseja que o sistema liste e imprima na tela as ordens de serviço para uma região informada por ele. Deseja ainda ter a possibilidade de verificar a disponibilidade dos motoboys da empresa, a fim de relacionar algum motoboy a uma nova saída. </a:t>
-            </a:r>
-          </a:p>
-          <a:p>
-            <a:pPr lvl="0"/>
-            <a:r>
-              <a:rPr lang="pt-BR" b="1" dirty="0"/>
-              <a:t>Cliente: </a:t>
-            </a:r>
-            <a:r>
-              <a:rPr lang="pt-BR" dirty="0"/>
-              <a:t>deseja que a mesma seja realizada de forma rápida e precisa, a fim de receber suas solicitações de serviços registrados de maneira mais rápida possível. Deseja que o seus serviços registrados sejam realizados dentro do prazo, caso ele exista.</a:t>
-            </a:r>
-          </a:p>
-          <a:p>
-            <a:pPr lvl="0"/>
-            <a:r>
-              <a:rPr lang="pt-BR" b="1" dirty="0"/>
-              <a:t>Gestor: </a:t>
-            </a:r>
-            <a:r>
-              <a:rPr lang="pt-BR" dirty="0"/>
-              <a:t>deseja que a mesma seja realizada de forma, clara e sem erros, a fim de garantir que todas solicitações de serviços registradas no sistema sejam cumpridas. Deseja que o dado referente a hora da saída seja registrado no sistema, com o intuito de controlar o tempo médio gasto para o retorno do motoboy, possibilitando assim determinar a melhor hora do dia para realizar novas saídas. Por fim deseja que o dado referente a data da saída seja gravado no sistema possibilitando calcular o número de saídas realizadas em um único dia.</a:t>
-            </a:r>
-          </a:p>
-          <a:p>
-            <a:pPr lvl="0"/>
-            <a:r>
-              <a:rPr lang="pt-BR" b="1" dirty="0"/>
-              <a:t>Motoboy: </a:t>
-            </a:r>
-            <a:r>
-              <a:rPr lang="pt-BR" dirty="0"/>
-              <a:t>deseja que a mesma seja feita de forma simples, rápida e sem erros. Deseja ser informado de quais ordens de serviço ele será responsável para a nova saída o qual ele foi designado, assim como a região para efetuar os serviços presentes nas ordem de serviços.</a:t>
-            </a:r>
-          </a:p>
-          <a:p>
-            <a:endParaRPr lang="pt-BR" dirty="0"/>
-          </a:p>
-        </p:txBody>
-      </p:sp>
-      <p:sp>
-        <p:nvSpPr>
-          <p:cNvPr id="6" name="Rectangle 5"/>
-          <p:cNvSpPr/>
+      <p:pic>
+        <p:nvPicPr>
+          <p:cNvPr id="3" name="Picture 2"/>
+          <p:cNvPicPr>
+            <a:picLocks noChangeAspect="1"/>
+          </p:cNvPicPr>
           <p:nvPr/>
-        </p:nvSpPr>
-        <p:spPr>
-          <a:xfrm>
-            <a:off x="0" y="-179263"/>
-            <a:ext cx="7959615" cy="1446550"/>
+        </p:nvPicPr>
+        <p:blipFill>
+          <a:blip r:embed="rId2">
+            <a:extLst>
+              <a:ext uri="{28A0092B-C50C-407E-A947-70E740481C1C}">
+                <a14:useLocalDpi xmlns:a14="http://schemas.microsoft.com/office/drawing/2010/main" val="0"/>
+              </a:ext>
+            </a:extLst>
+          </a:blip>
+          <a:stretch>
+            <a:fillRect/>
+          </a:stretch>
+        </p:blipFill>
+        <p:spPr>
+          <a:xfrm>
+            <a:off x="2087596" y="-7178255"/>
+            <a:ext cx="34406961" cy="14356510"/>
           </a:xfrm>
           <a:prstGeom prst="rect">
             <a:avLst/>
           </a:prstGeom>
         </p:spPr>
-        <p:txBody>
-          <a:bodyPr wrap="none">
-            <a:spAutoFit/>
-          </a:bodyPr>
-          <a:lstStyle/>
-          <a:p>
-            <a:r>
-              <a:rPr lang="pt-BR" sz="8800" dirty="0" smtClean="0"/>
-              <a:t>CDU: Gerar Saída</a:t>
-            </a:r>
-            <a:endParaRPr lang="pt-BR" sz="8800" dirty="0"/>
-          </a:p>
-        </p:txBody>
-      </p:sp>
+      </p:pic>
     </p:spTree>
     <p:extLst>
       <p:ext uri="{BB962C8B-B14F-4D97-AF65-F5344CB8AC3E}">
-        <p14:creationId xmlns:p14="http://schemas.microsoft.com/office/powerpoint/2010/main" val="3662779248"/>
+        <p14:creationId xmlns:p14="http://schemas.microsoft.com/office/powerpoint/2010/main" val="477656761"/>
       </p:ext>
     </p:extLst>
   </p:cSld>
@@ -5692,6 +6194,34 @@
       </p:grpSpPr>
       <p:sp>
         <p:nvSpPr>
+          <p:cNvPr id="2" name="Title 1"/>
+          <p:cNvSpPr>
+            <a:spLocks noGrp="1"/>
+          </p:cNvSpPr>
+          <p:nvPr>
+            <p:ph type="ctrTitle"/>
+          </p:nvPr>
+        </p:nvSpPr>
+        <p:spPr>
+          <a:xfrm>
+            <a:off x="603504" y="661770"/>
+            <a:ext cx="11588496" cy="3352800"/>
+          </a:xfrm>
+        </p:spPr>
+        <p:txBody>
+          <a:bodyPr/>
+          <a:lstStyle/>
+          <a:p>
+            <a:r>
+              <a:rPr lang="pt-BR" dirty="0" smtClean="0"/>
+              <a:t>Especificação do Caso de uso “Gerar Saída”</a:t>
+            </a:r>
+            <a:endParaRPr lang="pt-BR" dirty="0"/>
+          </a:p>
+        </p:txBody>
+      </p:sp>
+      <p:sp>
+        <p:nvSpPr>
           <p:cNvPr id="3" name="Subtitle 2"/>
           <p:cNvSpPr>
             <a:spLocks noGrp="1"/>
@@ -5702,209 +6232,24 @@
         </p:nvSpPr>
         <p:spPr>
           <a:xfrm>
-            <a:off x="168812" y="1267287"/>
-            <a:ext cx="11844798" cy="5372664"/>
+            <a:off x="603504" y="4192890"/>
+            <a:ext cx="9228201" cy="1645920"/>
           </a:xfrm>
         </p:spPr>
         <p:txBody>
           <a:bodyPr>
-            <a:normAutofit fontScale="40000" lnSpcReduction="20000"/>
+            <a:normAutofit/>
           </a:bodyPr>
           <a:lstStyle/>
           <a:p>
-            <a:r>
-              <a:rPr lang="pt-BR" b="1" dirty="0"/>
-              <a:t> </a:t>
-            </a:r>
             <a:endParaRPr lang="pt-BR" dirty="0"/>
-          </a:p>
-          <a:p>
-            <a:r>
-              <a:rPr lang="pt-BR" sz="4500" b="1" dirty="0"/>
-              <a:t>Pré-condições: </a:t>
-            </a:r>
-            <a:r>
-              <a:rPr lang="pt-BR" sz="4500" dirty="0"/>
-              <a:t>o atendente deverá estar logado no sistema. </a:t>
-            </a:r>
-          </a:p>
-          <a:p>
-            <a:r>
-              <a:rPr lang="pt-BR" sz="4500" b="1" dirty="0"/>
-              <a:t>Pós-condições: </a:t>
-            </a:r>
-            <a:r>
-              <a:rPr lang="pt-BR" sz="4500" dirty="0"/>
-              <a:t>o sistema lista as ordens de serviços, os dados são confirmados e salvos com sucesso pelo sistema.</a:t>
-            </a:r>
-          </a:p>
-          <a:p>
-            <a:r>
-              <a:rPr lang="pt-BR" sz="4500" b="1" dirty="0"/>
-              <a:t>Cenário de sucesso principal: </a:t>
-            </a:r>
-            <a:endParaRPr lang="pt-BR" sz="4500" dirty="0"/>
-          </a:p>
-          <a:p>
-            <a:pPr marL="914400" lvl="0" indent="-914400">
-              <a:buFont typeface="+mj-lt"/>
-              <a:buAutoNum type="arabicPeriod"/>
-            </a:pPr>
-            <a:r>
-              <a:rPr lang="pt-BR" sz="4500" dirty="0"/>
-              <a:t>O atendente seleciona a opção “Gerar Saída”.</a:t>
-            </a:r>
-          </a:p>
-          <a:p>
-            <a:pPr marL="914400" lvl="0" indent="-914400">
-              <a:buFont typeface="+mj-lt"/>
-              <a:buAutoNum type="arabicPeriod"/>
-            </a:pPr>
-            <a:r>
-              <a:rPr lang="pt-BR" sz="4500" dirty="0"/>
-              <a:t>O sistema direciona o atendente para a janela de inserção de dados para uma nova saída.</a:t>
-            </a:r>
-          </a:p>
-          <a:p>
-            <a:pPr marL="914400" lvl="0" indent="-914400">
-              <a:buFont typeface="+mj-lt"/>
-              <a:buAutoNum type="arabicPeriod"/>
-            </a:pPr>
-            <a:r>
-              <a:rPr lang="pt-BR" sz="4500" dirty="0"/>
-              <a:t>O atendente primeiramente seleciona uma região. </a:t>
-            </a:r>
-          </a:p>
-          <a:p>
-            <a:pPr marL="914400" lvl="0" indent="-914400">
-              <a:buFont typeface="+mj-lt"/>
-              <a:buAutoNum type="arabicPeriod"/>
-            </a:pPr>
-            <a:r>
-              <a:rPr lang="pt-BR" sz="4500" dirty="0"/>
-              <a:t>O sistema busca até dez ordens de serviços que estejam pendentes no sistema para a região informada.</a:t>
-            </a:r>
-          </a:p>
-          <a:p>
-            <a:pPr marL="914400" lvl="0" indent="-914400">
-              <a:buFont typeface="+mj-lt"/>
-              <a:buAutoNum type="arabicPeriod"/>
-            </a:pPr>
-            <a:r>
-              <a:rPr lang="pt-BR" sz="4500" dirty="0"/>
-              <a:t>O sistema imprime na tela em forma de tabela os dados das ordens de serviço.</a:t>
-            </a:r>
-          </a:p>
-          <a:p>
-            <a:pPr marL="914400" lvl="0" indent="-914400">
-              <a:buFont typeface="+mj-lt"/>
-              <a:buAutoNum type="arabicPeriod"/>
-            </a:pPr>
-            <a:r>
-              <a:rPr lang="pt-BR" sz="4500" dirty="0"/>
-              <a:t>Em seguida o atendente seleciona a opção "Visualizar Disponibilidade".</a:t>
-            </a:r>
-          </a:p>
-          <a:p>
-            <a:pPr marL="914400" lvl="0" indent="-914400">
-              <a:buFont typeface="+mj-lt"/>
-              <a:buAutoNum type="arabicPeriod"/>
-            </a:pPr>
-            <a:r>
-              <a:rPr lang="pt-BR" sz="4500" dirty="0"/>
-              <a:t>O sistema busca o registro dos motoboys no sistema.</a:t>
-            </a:r>
-          </a:p>
-          <a:p>
-            <a:pPr marL="914400" lvl="0" indent="-914400">
-              <a:buFont typeface="+mj-lt"/>
-              <a:buAutoNum type="arabicPeriod"/>
-            </a:pPr>
-            <a:r>
-              <a:rPr lang="pt-BR" sz="4500" dirty="0"/>
-              <a:t>O sistema imprimi na tela em forma de tabela os dados dos motoboys.</a:t>
-            </a:r>
-          </a:p>
-          <a:p>
-            <a:pPr marL="914400" lvl="0" indent="-914400">
-              <a:buFont typeface="+mj-lt"/>
-              <a:buAutoNum type="arabicPeriod"/>
-            </a:pPr>
-            <a:r>
-              <a:rPr lang="pt-BR" sz="4500" dirty="0"/>
-              <a:t>O atendente preenche o campo com o nome de algum motoboy que esteja marcado como disponível no sistema. </a:t>
-            </a:r>
-          </a:p>
-          <a:p>
-            <a:pPr marL="914400" lvl="0" indent="-914400">
-              <a:buFont typeface="+mj-lt"/>
-              <a:buAutoNum type="arabicPeriod"/>
-            </a:pPr>
-            <a:r>
-              <a:rPr lang="pt-BR" sz="4500" dirty="0"/>
-              <a:t>Por fim o atendente clica na opção "OK".</a:t>
-            </a:r>
-          </a:p>
-          <a:p>
-            <a:pPr marL="914400" lvl="0" indent="-914400">
-              <a:buFont typeface="+mj-lt"/>
-              <a:buAutoNum type="arabicPeriod"/>
-            </a:pPr>
-            <a:r>
-              <a:rPr lang="pt-BR" sz="4500" dirty="0"/>
-              <a:t>O sistema salva os dados informados no Banco de Dados.</a:t>
-            </a:r>
-          </a:p>
-          <a:p>
-            <a:pPr marL="914400" lvl="0" indent="-914400">
-              <a:buFont typeface="+mj-lt"/>
-              <a:buAutoNum type="arabicPeriod"/>
-            </a:pPr>
-            <a:r>
-              <a:rPr lang="pt-BR" sz="4500" dirty="0"/>
-              <a:t>O sistema imprimi uma mensagem na tela "Operação Realizada com Sucesso</a:t>
-            </a:r>
-            <a:r>
-              <a:rPr lang="pt-BR" sz="4500" dirty="0" smtClean="0"/>
-              <a:t>".</a:t>
-            </a:r>
-            <a:endParaRPr lang="pt-BR" sz="4500" dirty="0"/>
-          </a:p>
-        </p:txBody>
-      </p:sp>
-      <p:sp>
-        <p:nvSpPr>
-          <p:cNvPr id="6" name="Rectangle 5"/>
-          <p:cNvSpPr/>
-          <p:nvPr/>
-        </p:nvSpPr>
-        <p:spPr>
-          <a:xfrm>
-            <a:off x="0" y="-179263"/>
-            <a:ext cx="7959615" cy="1446550"/>
-          </a:xfrm>
-          <a:prstGeom prst="rect">
-            <a:avLst/>
-          </a:prstGeom>
-        </p:spPr>
-        <p:txBody>
-          <a:bodyPr wrap="none">
-            <a:spAutoFit/>
-          </a:bodyPr>
-          <a:lstStyle/>
-          <a:p>
-            <a:r>
-              <a:rPr lang="pt-BR" sz="8800" dirty="0" smtClean="0"/>
-              <a:t>CDU: Gerar Saída</a:t>
-            </a:r>
-            <a:endParaRPr lang="pt-BR" sz="8800" dirty="0"/>
           </a:p>
         </p:txBody>
       </p:sp>
     </p:spTree>
     <p:extLst>
       <p:ext uri="{BB962C8B-B14F-4D97-AF65-F5344CB8AC3E}">
-        <p14:creationId xmlns:p14="http://schemas.microsoft.com/office/powerpoint/2010/main" val="3429411628"/>
+        <p14:creationId xmlns:p14="http://schemas.microsoft.com/office/powerpoint/2010/main" val="2386832169"/>
       </p:ext>
     </p:extLst>
   </p:cSld>
